--- a/docs/ppt/ToDo&Co.pptx
+++ b/docs/ppt/ToDo&Co.pptx
@@ -10,32 +10,17 @@
     <p:sldId id="257" r:id="rId4"/>
     <p:sldId id="286" r:id="rId5"/>
     <p:sldId id="268" r:id="rId6"/>
-    <p:sldId id="259" r:id="rId7"/>
-    <p:sldId id="279" r:id="rId8"/>
-    <p:sldId id="283" r:id="rId9"/>
-    <p:sldId id="260" r:id="rId10"/>
-    <p:sldId id="282" r:id="rId11"/>
-    <p:sldId id="261" r:id="rId12"/>
-    <p:sldId id="280" r:id="rId13"/>
-    <p:sldId id="262" r:id="rId14"/>
-    <p:sldId id="281" r:id="rId15"/>
-    <p:sldId id="263" r:id="rId16"/>
-    <p:sldId id="278" r:id="rId17"/>
-    <p:sldId id="264" r:id="rId18"/>
-    <p:sldId id="265" r:id="rId19"/>
-    <p:sldId id="266" r:id="rId20"/>
-    <p:sldId id="267" r:id="rId21"/>
-    <p:sldId id="269" r:id="rId22"/>
-    <p:sldId id="284" r:id="rId23"/>
-    <p:sldId id="270" r:id="rId24"/>
-    <p:sldId id="271" r:id="rId25"/>
-    <p:sldId id="272" r:id="rId26"/>
-    <p:sldId id="273" r:id="rId27"/>
-    <p:sldId id="274" r:id="rId28"/>
-    <p:sldId id="275" r:id="rId29"/>
-    <p:sldId id="276" r:id="rId30"/>
-    <p:sldId id="277" r:id="rId31"/>
-    <p:sldId id="285" r:id="rId32"/>
+    <p:sldId id="269" r:id="rId7"/>
+    <p:sldId id="284" r:id="rId8"/>
+    <p:sldId id="270" r:id="rId9"/>
+    <p:sldId id="271" r:id="rId10"/>
+    <p:sldId id="272" r:id="rId11"/>
+    <p:sldId id="273" r:id="rId12"/>
+    <p:sldId id="274" r:id="rId13"/>
+    <p:sldId id="275" r:id="rId14"/>
+    <p:sldId id="276" r:id="rId15"/>
+    <p:sldId id="277" r:id="rId16"/>
+    <p:sldId id="285" r:id="rId17"/>
   </p:sldIdLst>
   <p:sldSz cx="9144000" cy="6858000" type="screen4x3"/>
   <p:notesSz cx="6858000" cy="9144000"/>
@@ -358,7 +343,7 @@
               <a:pPr>
                 <a:defRPr/>
               </a:pPr>
-              <a:t>21/01/2019</a:t>
+              <a:t>24/01/2019</a:t>
             </a:fld>
             <a:endParaRPr lang="fr-FR"/>
           </a:p>
@@ -550,7 +535,7 @@
               <a:pPr>
                 <a:defRPr/>
               </a:pPr>
-              <a:t>21/01/2019</a:t>
+              <a:t>24/01/2019</a:t>
             </a:fld>
             <a:endParaRPr lang="fr-FR"/>
           </a:p>
@@ -752,7 +737,7 @@
               <a:pPr>
                 <a:defRPr/>
               </a:pPr>
-              <a:t>21/01/2019</a:t>
+              <a:t>24/01/2019</a:t>
             </a:fld>
             <a:endParaRPr lang="fr-FR"/>
           </a:p>
@@ -944,7 +929,7 @@
               <a:pPr>
                 <a:defRPr/>
               </a:pPr>
-              <a:t>21/01/2019</a:t>
+              <a:t>24/01/2019</a:t>
             </a:fld>
             <a:endParaRPr lang="fr-FR"/>
           </a:p>
@@ -1212,7 +1197,7 @@
               <a:pPr>
                 <a:defRPr/>
               </a:pPr>
-              <a:t>21/01/2019</a:t>
+              <a:t>24/01/2019</a:t>
             </a:fld>
             <a:endParaRPr lang="fr-FR"/>
           </a:p>
@@ -1522,7 +1507,7 @@
               <a:pPr>
                 <a:defRPr/>
               </a:pPr>
-              <a:t>21/01/2019</a:t>
+              <a:t>24/01/2019</a:t>
             </a:fld>
             <a:endParaRPr lang="fr-FR"/>
           </a:p>
@@ -1966,7 +1951,7 @@
               <a:pPr>
                 <a:defRPr/>
               </a:pPr>
-              <a:t>21/01/2019</a:t>
+              <a:t>24/01/2019</a:t>
             </a:fld>
             <a:endParaRPr lang="fr-FR"/>
           </a:p>
@@ -2106,7 +2091,7 @@
               <a:pPr>
                 <a:defRPr/>
               </a:pPr>
-              <a:t>21/01/2019</a:t>
+              <a:t>24/01/2019</a:t>
             </a:fld>
             <a:endParaRPr lang="fr-FR"/>
           </a:p>
@@ -2223,7 +2208,7 @@
               <a:pPr>
                 <a:defRPr/>
               </a:pPr>
-              <a:t>21/01/2019</a:t>
+              <a:t>24/01/2019</a:t>
             </a:fld>
             <a:endParaRPr lang="fr-FR"/>
           </a:p>
@@ -2522,7 +2507,7 @@
               <a:pPr>
                 <a:defRPr/>
               </a:pPr>
-              <a:t>21/01/2019</a:t>
+              <a:t>24/01/2019</a:t>
             </a:fld>
             <a:endParaRPr lang="fr-FR"/>
           </a:p>
@@ -2800,7 +2785,7 @@
               <a:pPr>
                 <a:defRPr/>
               </a:pPr>
-              <a:t>21/01/2019</a:t>
+              <a:t>24/01/2019</a:t>
             </a:fld>
             <a:endParaRPr lang="fr-FR"/>
           </a:p>
@@ -3059,7 +3044,7 @@
               <a:pPr>
                 <a:defRPr/>
               </a:pPr>
-              <a:t>21/01/2019</a:t>
+              <a:t>24/01/2019</a:t>
             </a:fld>
             <a:endParaRPr lang="fr-FR"/>
           </a:p>
@@ -3694,7 +3679,7 @@
       </p:grpSpPr>
       <p:pic>
         <p:nvPicPr>
-          <p:cNvPr id="10242" name="Image 3" descr="auth ap.PNG"/>
+          <p:cNvPr id="5" name="Image 4" descr="delete_task.png"/>
           <p:cNvPicPr>
             <a:picLocks noChangeAspect="1"/>
           </p:cNvPicPr>
@@ -3702,94 +3687,20 @@
         </p:nvPicPr>
         <p:blipFill>
           <a:blip r:embed="rId2" cstate="print"/>
-          <a:srcRect/>
-          <a:stretch>
-            <a:fillRect/>
-          </a:stretch>
-        </p:blipFill>
-        <p:spPr bwMode="auto">
-          <a:xfrm>
-            <a:off x="250825" y="260350"/>
-            <a:ext cx="5822950" cy="3313113"/>
-          </a:xfrm>
-          <a:prstGeom prst="rect">
-            <a:avLst/>
-          </a:prstGeom>
-          <a:noFill/>
-          <a:ln w="9525">
-            <a:noFill/>
-            <a:miter lim="800000"/>
-            <a:headEnd/>
-            <a:tailEnd/>
-          </a:ln>
-        </p:spPr>
-      </p:pic>
-      <p:pic>
-        <p:nvPicPr>
-          <p:cNvPr id="10243" name="Espace réservé du contenu 3" descr="ap1.png"/>
-          <p:cNvPicPr>
-            <a:picLocks noGrp="1" noChangeAspect="1"/>
-          </p:cNvPicPr>
-          <p:nvPr>
-            <p:ph idx="1"/>
-          </p:nvPr>
-        </p:nvPicPr>
-        <p:blipFill>
-          <a:blip r:embed="rId3" cstate="print"/>
-          <a:srcRect/>
           <a:stretch>
             <a:fillRect/>
           </a:stretch>
         </p:blipFill>
         <p:spPr>
           <a:xfrm>
-            <a:off x="3924300" y="3748088"/>
-            <a:ext cx="5040313" cy="3017837"/>
-          </a:xfrm>
-        </p:spPr>
-      </p:pic>
-      <p:sp>
-        <p:nvSpPr>
-          <p:cNvPr id="6" name="Titre 1"/>
-          <p:cNvSpPr txBox="1">
-            <a:spLocks/>
-          </p:cNvSpPr>
-          <p:nvPr/>
-        </p:nvSpPr>
-        <p:spPr bwMode="auto">
-          <a:xfrm>
-            <a:off x="6084888" y="1989138"/>
-            <a:ext cx="2590800" cy="725487"/>
+            <a:off x="146516" y="548680"/>
+            <a:ext cx="8874862" cy="6086088"/>
           </a:xfrm>
           <a:prstGeom prst="rect">
             <a:avLst/>
           </a:prstGeom>
-          <a:noFill/>
-          <a:ln w="9525">
-            <a:noFill/>
-            <a:miter lim="800000"/>
-            <a:headEnd/>
-            <a:tailEnd/>
-          </a:ln>
         </p:spPr>
-        <p:txBody>
-          <a:bodyPr anchor="ctr"/>
-          <a:lstStyle/>
-          <a:p>
-            <a:pPr algn="ctr">
-              <a:defRPr/>
-            </a:pPr>
-            <a:r>
-              <a:rPr lang="fr-FR" sz="2800" dirty="0">
-                <a:latin typeface="+mj-lt"/>
-                <a:ea typeface="+mj-ea"/>
-                <a:cs typeface="+mj-cs"/>
-              </a:rPr>
-              <a:t>API Platform</a:t>
-            </a:r>
-          </a:p>
-        </p:txBody>
-      </p:sp>
+      </p:pic>
     </p:spTree>
   </p:cSld>
   <p:clrMapOvr>
@@ -3815,56 +3726,28 @@
           <a:chExt cx="0" cy="0"/>
         </a:xfrm>
       </p:grpSpPr>
-      <p:sp>
-        <p:nvSpPr>
-          <p:cNvPr id="11266" name="Titre 1"/>
-          <p:cNvSpPr>
-            <a:spLocks noGrp="1"/>
-          </p:cNvSpPr>
-          <p:nvPr>
-            <p:ph type="title"/>
-          </p:nvPr>
-        </p:nvSpPr>
-        <p:spPr>
-          <a:xfrm>
-            <a:off x="457200" y="115888"/>
-            <a:ext cx="8229600" cy="725487"/>
-          </a:xfrm>
-        </p:spPr>
-        <p:txBody>
-          <a:bodyPr/>
-          <a:lstStyle/>
-          <a:p>
-            <a:pPr eaLnBrk="1" hangingPunct="1"/>
-            <a:r>
-              <a:rPr lang="fr-FR" sz="3600" smtClean="0"/>
-              <a:t>Requête et réponse (non - authentifier)</a:t>
-            </a:r>
-          </a:p>
-        </p:txBody>
-      </p:sp>
       <p:pic>
         <p:nvPicPr>
-          <p:cNvPr id="11267" name="Espace réservé du contenu 5" descr="responsenologin.PNG"/>
+          <p:cNvPr id="5" name="Image 4" descr="delete_user.png"/>
           <p:cNvPicPr>
-            <a:picLocks noGrp="1" noChangeAspect="1"/>
+            <a:picLocks noChangeAspect="1"/>
           </p:cNvPicPr>
-          <p:nvPr>
-            <p:ph idx="1"/>
-          </p:nvPr>
+          <p:nvPr/>
         </p:nvPicPr>
         <p:blipFill>
           <a:blip r:embed="rId2" cstate="print"/>
-          <a:srcRect/>
           <a:stretch>
             <a:fillRect/>
           </a:stretch>
         </p:blipFill>
         <p:spPr>
           <a:xfrm>
-            <a:off x="68263" y="1484313"/>
-            <a:ext cx="8967787" cy="4176712"/>
+            <a:off x="35496" y="646240"/>
+            <a:ext cx="9108504" cy="5741220"/>
           </a:xfrm>
+          <a:prstGeom prst="rect">
+            <a:avLst/>
+          </a:prstGeom>
         </p:spPr>
       </p:pic>
     </p:spTree>
@@ -3872,13 +3755,6 @@
   <p:clrMapOvr>
     <a:masterClrMapping/>
   </p:clrMapOvr>
-  <p:timing>
-    <p:tnLst>
-      <p:par>
-        <p:cTn id="1" dur="indefinite" restart="never" nodeType="tmRoot"/>
-      </p:par>
-    </p:tnLst>
-  </p:timing>
 </p:sld>
 </file>
 
@@ -3901,125 +3777,33 @@
       </p:grpSpPr>
       <p:pic>
         <p:nvPicPr>
-          <p:cNvPr id="12290" name="Espace réservé du contenu 3" descr="ap2.png"/>
+          <p:cNvPr id="5" name="Image 4" descr="completed_task.png"/>
           <p:cNvPicPr>
-            <a:picLocks noGrp="1" noChangeAspect="1"/>
+            <a:picLocks noChangeAspect="1"/>
           </p:cNvPicPr>
-          <p:nvPr>
-            <p:ph idx="1"/>
-          </p:nvPr>
+          <p:nvPr/>
         </p:nvPicPr>
         <p:blipFill>
           <a:blip r:embed="rId2" cstate="print"/>
-          <a:srcRect/>
           <a:stretch>
             <a:fillRect/>
           </a:stretch>
         </p:blipFill>
         <p:spPr>
           <a:xfrm>
-            <a:off x="179388" y="2060575"/>
-            <a:ext cx="8899525" cy="4248150"/>
-          </a:xfrm>
-        </p:spPr>
-      </p:pic>
-      <p:sp>
-        <p:nvSpPr>
-          <p:cNvPr id="12291" name="Titre 1"/>
-          <p:cNvSpPr>
-            <a:spLocks noGrp="1"/>
-          </p:cNvSpPr>
-          <p:nvPr>
-            <p:ph type="title"/>
-          </p:nvPr>
-        </p:nvSpPr>
-        <p:spPr>
-          <a:xfrm>
-            <a:off x="457200" y="115888"/>
-            <a:ext cx="8229600" cy="725487"/>
-          </a:xfrm>
-        </p:spPr>
-        <p:txBody>
-          <a:bodyPr/>
-          <a:lstStyle/>
-          <a:p>
-            <a:pPr eaLnBrk="1" hangingPunct="1"/>
-            <a:r>
-              <a:rPr lang="fr-FR" sz="3600" smtClean="0"/>
-              <a:t>Requête et réponse (authentifier)</a:t>
-            </a:r>
-          </a:p>
-        </p:txBody>
-      </p:sp>
-      <p:sp>
-        <p:nvSpPr>
-          <p:cNvPr id="4" name="Titre 1"/>
-          <p:cNvSpPr txBox="1">
-            <a:spLocks/>
-          </p:cNvSpPr>
-          <p:nvPr/>
-        </p:nvSpPr>
-        <p:spPr bwMode="auto">
-          <a:xfrm>
-            <a:off x="323850" y="981075"/>
-            <a:ext cx="8229600" cy="723900"/>
+            <a:off x="101260" y="692696"/>
+            <a:ext cx="9007244" cy="5760640"/>
           </a:xfrm>
           <a:prstGeom prst="rect">
             <a:avLst/>
           </a:prstGeom>
-          <a:noFill/>
-          <a:ln w="9525">
-            <a:noFill/>
-            <a:miter lim="800000"/>
-            <a:headEnd/>
-            <a:tailEnd/>
-          </a:ln>
         </p:spPr>
-        <p:txBody>
-          <a:bodyPr anchor="ctr"/>
-          <a:lstStyle/>
-          <a:p>
-            <a:pPr>
-              <a:buFont typeface="Arial" pitchFamily="34" charset="0"/>
-              <a:buChar char="•"/>
-              <a:defRPr/>
-            </a:pPr>
-            <a:r>
-              <a:rPr lang="fr-FR" sz="2400" dirty="0">
-                <a:latin typeface="+mj-lt"/>
-                <a:ea typeface="+mj-ea"/>
-                <a:cs typeface="+mj-cs"/>
-              </a:rPr>
-              <a:t>Authentification pour chaque requête envoi du JWT </a:t>
-            </a:r>
-            <a:r>
-              <a:rPr lang="fr-FR" sz="2400" dirty="0" err="1">
-                <a:latin typeface="+mj-lt"/>
-                <a:ea typeface="+mj-ea"/>
-                <a:cs typeface="+mj-cs"/>
-              </a:rPr>
-              <a:t>Token</a:t>
-            </a:r>
-            <a:endParaRPr lang="fr-FR" sz="2400" dirty="0">
-              <a:latin typeface="+mj-lt"/>
-              <a:ea typeface="+mj-ea"/>
-              <a:cs typeface="+mj-cs"/>
-            </a:endParaRPr>
-          </a:p>
-        </p:txBody>
-      </p:sp>
+      </p:pic>
     </p:spTree>
   </p:cSld>
   <p:clrMapOvr>
     <a:masterClrMapping/>
   </p:clrMapOvr>
-  <p:timing>
-    <p:tnLst>
-      <p:par>
-        <p:cTn id="1" dur="indefinite" restart="never" nodeType="tmRoot"/>
-      </p:par>
-    </p:tnLst>
-  </p:timing>
 </p:sld>
 </file>
 
@@ -4042,143 +3826,33 @@
       </p:grpSpPr>
       <p:pic>
         <p:nvPicPr>
-          <p:cNvPr id="13314" name="Espace réservé du contenu 3" descr="ap3.png"/>
+          <p:cNvPr id="5" name="Image 4" descr="unfinished_task.png"/>
           <p:cNvPicPr>
-            <a:picLocks noGrp="1" noChangeAspect="1"/>
+            <a:picLocks noChangeAspect="1"/>
           </p:cNvPicPr>
-          <p:nvPr>
-            <p:ph idx="1"/>
-          </p:nvPr>
+          <p:nvPr/>
         </p:nvPicPr>
         <p:blipFill>
           <a:blip r:embed="rId2" cstate="print"/>
-          <a:srcRect/>
           <a:stretch>
             <a:fillRect/>
           </a:stretch>
         </p:blipFill>
         <p:spPr>
           <a:xfrm>
-            <a:off x="41275" y="2889250"/>
-            <a:ext cx="8994775" cy="1692275"/>
-          </a:xfrm>
-        </p:spPr>
-      </p:pic>
-      <p:sp>
-        <p:nvSpPr>
-          <p:cNvPr id="13315" name="Titre 1"/>
-          <p:cNvSpPr>
-            <a:spLocks noGrp="1"/>
-          </p:cNvSpPr>
-          <p:nvPr>
-            <p:ph type="title"/>
-          </p:nvPr>
-        </p:nvSpPr>
-        <p:spPr>
-          <a:xfrm>
-            <a:off x="303213" y="184150"/>
-            <a:ext cx="8229600" cy="723900"/>
-          </a:xfrm>
-        </p:spPr>
-        <p:txBody>
-          <a:bodyPr/>
-          <a:lstStyle/>
-          <a:p>
-            <a:pPr eaLnBrk="1" hangingPunct="1"/>
-            <a:r>
-              <a:rPr lang="fr-FR" sz="3600" smtClean="0"/>
-              <a:t>Header d’une réponse</a:t>
-            </a:r>
-          </a:p>
-        </p:txBody>
-      </p:sp>
-      <p:sp>
-        <p:nvSpPr>
-          <p:cNvPr id="4" name="Titre 1"/>
-          <p:cNvSpPr txBox="1">
-            <a:spLocks/>
-          </p:cNvSpPr>
-          <p:nvPr/>
-        </p:nvSpPr>
-        <p:spPr bwMode="auto">
-          <a:xfrm>
-            <a:off x="446088" y="1119188"/>
-            <a:ext cx="8229600" cy="1230312"/>
+            <a:off x="35496" y="716398"/>
+            <a:ext cx="9108504" cy="5825402"/>
           </a:xfrm>
           <a:prstGeom prst="rect">
             <a:avLst/>
           </a:prstGeom>
-          <a:noFill/>
-          <a:ln w="9525">
-            <a:noFill/>
-            <a:miter lim="800000"/>
-            <a:headEnd/>
-            <a:tailEnd/>
-          </a:ln>
         </p:spPr>
-        <p:txBody>
-          <a:bodyPr anchor="ctr"/>
-          <a:lstStyle/>
-          <a:p>
-            <a:pPr>
-              <a:buFont typeface="Arial" pitchFamily="34" charset="0"/>
-              <a:buChar char="•"/>
-              <a:defRPr/>
-            </a:pPr>
-            <a:r>
-              <a:rPr lang="fr-FR" sz="2400" dirty="0">
-                <a:latin typeface="+mj-lt"/>
-                <a:ea typeface="+mj-ea"/>
-                <a:cs typeface="+mj-cs"/>
-              </a:rPr>
-              <a:t> Indication du cache</a:t>
-            </a:r>
-          </a:p>
-          <a:p>
-            <a:pPr>
-              <a:buFont typeface="Arial" pitchFamily="34" charset="0"/>
-              <a:buChar char="•"/>
-              <a:defRPr/>
-            </a:pPr>
-            <a:r>
-              <a:rPr lang="fr-FR" sz="2400" dirty="0">
-                <a:latin typeface="+mj-lt"/>
-                <a:ea typeface="+mj-ea"/>
-                <a:cs typeface="+mj-cs"/>
-              </a:rPr>
-              <a:t> Content type </a:t>
-            </a:r>
-            <a:r>
-              <a:rPr lang="fr-FR" sz="2400" dirty="0" err="1">
-                <a:latin typeface="+mj-lt"/>
-                <a:ea typeface="+mj-ea"/>
-                <a:cs typeface="+mj-cs"/>
-              </a:rPr>
-              <a:t>Json</a:t>
-            </a:r>
-            <a:r>
-              <a:rPr lang="fr-FR" sz="2400" dirty="0">
-                <a:latin typeface="+mj-lt"/>
-                <a:ea typeface="+mj-ea"/>
-                <a:cs typeface="+mj-cs"/>
-              </a:rPr>
-              <a:t> Hal</a:t>
-            </a:r>
-          </a:p>
-        </p:txBody>
-      </p:sp>
+      </p:pic>
     </p:spTree>
   </p:cSld>
   <p:clrMapOvr>
     <a:masterClrMapping/>
   </p:clrMapOvr>
-  <p:timing>
-    <p:tnLst>
-      <p:par>
-        <p:cTn id="1" dur="indefinite" restart="never" nodeType="tmRoot"/>
-      </p:par>
-    </p:tnLst>
-  </p:timing>
 </p:sld>
 </file>
 
@@ -4199,37 +3873,9 @@
           <a:chExt cx="0" cy="0"/>
         </a:xfrm>
       </p:grpSpPr>
-      <p:sp>
-        <p:nvSpPr>
-          <p:cNvPr id="14338" name="Titre 1"/>
-          <p:cNvSpPr>
-            <a:spLocks noGrp="1"/>
-          </p:cNvSpPr>
-          <p:nvPr>
-            <p:ph type="title"/>
-          </p:nvPr>
-        </p:nvSpPr>
-        <p:spPr>
-          <a:xfrm>
-            <a:off x="303213" y="184150"/>
-            <a:ext cx="8229600" cy="723900"/>
-          </a:xfrm>
-        </p:spPr>
-        <p:txBody>
-          <a:bodyPr/>
-          <a:lstStyle/>
-          <a:p>
-            <a:pPr eaLnBrk="1" hangingPunct="1"/>
-            <a:r>
-              <a:rPr lang="fr-FR" sz="3600" smtClean="0"/>
-              <a:t>Aperçu d’une ressource</a:t>
-            </a:r>
-          </a:p>
-        </p:txBody>
-      </p:sp>
       <p:pic>
         <p:nvPicPr>
-          <p:cNvPr id="14339" name="Image 6" descr="apercu ressource.PNG"/>
+          <p:cNvPr id="5" name="Image 4" descr="update_password_user.png"/>
           <p:cNvPicPr>
             <a:picLocks noChangeAspect="1"/>
           </p:cNvPicPr>
@@ -4237,114 +3883,25 @@
         </p:nvPicPr>
         <p:blipFill>
           <a:blip r:embed="rId2" cstate="print"/>
-          <a:srcRect/>
           <a:stretch>
             <a:fillRect/>
           </a:stretch>
         </p:blipFill>
-        <p:spPr bwMode="auto">
+        <p:spPr>
           <a:xfrm>
-            <a:off x="2655888" y="1389063"/>
-            <a:ext cx="3832225" cy="2400300"/>
+            <a:off x="63974" y="680432"/>
+            <a:ext cx="9044530" cy="5700896"/>
           </a:xfrm>
           <a:prstGeom prst="rect">
             <a:avLst/>
           </a:prstGeom>
-          <a:noFill/>
-          <a:ln w="9525">
-            <a:noFill/>
-            <a:miter lim="800000"/>
-            <a:headEnd/>
-            <a:tailEnd/>
-          </a:ln>
         </p:spPr>
       </p:pic>
-      <p:pic>
-        <p:nvPicPr>
-          <p:cNvPr id="14340" name="Image 3" descr="format.PNG"/>
-          <p:cNvPicPr>
-            <a:picLocks noChangeAspect="1"/>
-          </p:cNvPicPr>
-          <p:nvPr/>
-        </p:nvPicPr>
-        <p:blipFill>
-          <a:blip r:embed="rId3" cstate="print"/>
-          <a:srcRect/>
-          <a:stretch>
-            <a:fillRect/>
-          </a:stretch>
-        </p:blipFill>
-        <p:spPr bwMode="auto">
-          <a:xfrm>
-            <a:off x="3070225" y="5397500"/>
-            <a:ext cx="3003550" cy="479425"/>
-          </a:xfrm>
-          <a:prstGeom prst="rect">
-            <a:avLst/>
-          </a:prstGeom>
-          <a:noFill/>
-          <a:ln w="9525">
-            <a:noFill/>
-            <a:miter lim="800000"/>
-            <a:headEnd/>
-            <a:tailEnd/>
-          </a:ln>
-        </p:spPr>
-      </p:pic>
-      <p:sp>
-        <p:nvSpPr>
-          <p:cNvPr id="5" name="Titre 1"/>
-          <p:cNvSpPr txBox="1">
-            <a:spLocks/>
-          </p:cNvSpPr>
-          <p:nvPr/>
-        </p:nvSpPr>
-        <p:spPr bwMode="auto">
-          <a:xfrm>
-            <a:off x="303213" y="4289425"/>
-            <a:ext cx="8229600" cy="723900"/>
-          </a:xfrm>
-          <a:prstGeom prst="rect">
-            <a:avLst/>
-          </a:prstGeom>
-          <a:noFill/>
-          <a:ln w="9525">
-            <a:noFill/>
-            <a:miter lim="800000"/>
-            <a:headEnd/>
-            <a:tailEnd/>
-          </a:ln>
-        </p:spPr>
-        <p:txBody>
-          <a:bodyPr anchor="ctr"/>
-          <a:lstStyle/>
-          <a:p>
-            <a:pPr algn="ctr">
-              <a:defRPr/>
-            </a:pPr>
-            <a:r>
-              <a:rPr lang="fr-FR" sz="3600" dirty="0">
-                <a:latin typeface="+mj-lt"/>
-                <a:ea typeface="+mj-ea"/>
-                <a:cs typeface="+mj-cs"/>
-              </a:rPr>
-              <a:t>Choix du format de sortie</a:t>
-            </a:r>
-          </a:p>
-        </p:txBody>
-      </p:sp>
     </p:spTree>
   </p:cSld>
   <p:clrMapOvr>
     <a:masterClrMapping/>
   </p:clrMapOvr>
-  <p:timing>
-    <p:tnLst>
-      <p:par>
-        <p:cTn id="1" dur="indefinite" restart="never" nodeType="tmRoot"/>
-      </p:par>
-    </p:tnLst>
-  </p:timing>
 </p:sld>
 </file>
 
@@ -4365,41 +3922,9 @@
           <a:chExt cx="0" cy="0"/>
         </a:xfrm>
       </p:grpSpPr>
-      <p:sp>
-        <p:nvSpPr>
-          <p:cNvPr id="15362" name="Titre 1"/>
-          <p:cNvSpPr>
-            <a:spLocks noGrp="1"/>
-          </p:cNvSpPr>
-          <p:nvPr>
-            <p:ph type="title"/>
-          </p:nvPr>
-        </p:nvSpPr>
-        <p:spPr>
-          <a:xfrm>
-            <a:off x="457200" y="2781300"/>
-            <a:ext cx="8229600" cy="1143000"/>
-          </a:xfrm>
-        </p:spPr>
-        <p:txBody>
-          <a:bodyPr/>
-          <a:lstStyle/>
-          <a:p>
-            <a:pPr eaLnBrk="1" hangingPunct="1"/>
-            <a:r>
-              <a:rPr lang="fr-FR" smtClean="0"/>
-              <a:t>Mesure de performance Blackfire</a:t>
-            </a:r>
-            <a:br>
-              <a:rPr lang="fr-FR" smtClean="0"/>
-            </a:br>
-            <a:endParaRPr lang="fr-FR" smtClean="0"/>
-          </a:p>
-        </p:txBody>
-      </p:sp>
       <p:pic>
         <p:nvPicPr>
-          <p:cNvPr id="15363" name="Image 4" descr="Blackfire.PNG"/>
+          <p:cNvPr id="5" name="Image 4" descr="update_task.png"/>
           <p:cNvPicPr>
             <a:picLocks noChangeAspect="1"/>
           </p:cNvPicPr>
@@ -4407,26 +3932,18 @@
         </p:nvPicPr>
         <p:blipFill>
           <a:blip r:embed="rId2" cstate="print"/>
-          <a:srcRect/>
           <a:stretch>
             <a:fillRect/>
           </a:stretch>
         </p:blipFill>
-        <p:spPr bwMode="auto">
+        <p:spPr>
           <a:xfrm>
-            <a:off x="3829050" y="3584575"/>
-            <a:ext cx="1485900" cy="565150"/>
+            <a:off x="72008" y="538564"/>
+            <a:ext cx="8964488" cy="5898998"/>
           </a:xfrm>
           <a:prstGeom prst="rect">
             <a:avLst/>
           </a:prstGeom>
-          <a:noFill/>
-          <a:ln w="9525">
-            <a:noFill/>
-            <a:miter lim="800000"/>
-            <a:headEnd/>
-            <a:tailEnd/>
-          </a:ln>
         </p:spPr>
       </p:pic>
     </p:spTree>
@@ -4434,13 +3951,6 @@
   <p:clrMapOvr>
     <a:masterClrMapping/>
   </p:clrMapOvr>
-  <p:timing>
-    <p:tnLst>
-      <p:par>
-        <p:cTn id="1" dur="indefinite" restart="never" nodeType="tmRoot"/>
-      </p:par>
-    </p:tnLst>
-  </p:timing>
 </p:sld>
 </file>
 
@@ -4461,56 +3971,28 @@
           <a:chExt cx="0" cy="0"/>
         </a:xfrm>
       </p:grpSpPr>
-      <p:sp>
-        <p:nvSpPr>
-          <p:cNvPr id="16386" name="Titre 1"/>
-          <p:cNvSpPr>
-            <a:spLocks noGrp="1"/>
-          </p:cNvSpPr>
-          <p:nvPr>
-            <p:ph type="title"/>
-          </p:nvPr>
-        </p:nvSpPr>
-        <p:spPr>
-          <a:xfrm>
-            <a:off x="457200" y="115888"/>
-            <a:ext cx="8229600" cy="725487"/>
-          </a:xfrm>
-        </p:spPr>
-        <p:txBody>
-          <a:bodyPr/>
-          <a:lstStyle/>
-          <a:p>
-            <a:pPr eaLnBrk="1" hangingPunct="1"/>
-            <a:r>
-              <a:rPr lang="fr-FR" sz="3600" smtClean="0"/>
-              <a:t>Delete user</a:t>
-            </a:r>
-          </a:p>
-        </p:txBody>
-      </p:sp>
       <p:pic>
         <p:nvPicPr>
-          <p:cNvPr id="16387" name="Espace réservé du contenu 3" descr="DELETE user.PNG"/>
+          <p:cNvPr id="6" name="Image 5" descr="update_user.png"/>
           <p:cNvPicPr>
-            <a:picLocks noGrp="1" noChangeAspect="1"/>
+            <a:picLocks noChangeAspect="1"/>
           </p:cNvPicPr>
-          <p:nvPr>
-            <p:ph idx="1"/>
-          </p:nvPr>
+          <p:nvPr/>
         </p:nvPicPr>
         <p:blipFill>
           <a:blip r:embed="rId2" cstate="print"/>
-          <a:srcRect/>
           <a:stretch>
             <a:fillRect/>
           </a:stretch>
         </p:blipFill>
         <p:spPr>
           <a:xfrm>
-            <a:off x="107950" y="1268413"/>
-            <a:ext cx="8958263" cy="5113337"/>
+            <a:off x="81088" y="548680"/>
+            <a:ext cx="9027416" cy="5690109"/>
           </a:xfrm>
+          <a:prstGeom prst="rect">
+            <a:avLst/>
+          </a:prstGeom>
         </p:spPr>
       </p:pic>
     </p:spTree>
@@ -4518,265 +4000,6 @@
   <p:clrMapOvr>
     <a:masterClrMapping/>
   </p:clrMapOvr>
-  <p:timing>
-    <p:tnLst>
-      <p:par>
-        <p:cTn id="1" dur="indefinite" restart="never" nodeType="tmRoot"/>
-      </p:par>
-    </p:tnLst>
-  </p:timing>
-</p:sld>
-</file>
-
-<file path=ppt/slides/slide17.xml><?xml version="1.0" encoding="utf-8"?>
-<p:sld xmlns:a="http://schemas.openxmlformats.org/drawingml/2006/main" xmlns:r="http://schemas.openxmlformats.org/officeDocument/2006/relationships" xmlns:p="http://schemas.openxmlformats.org/presentationml/2006/main">
-  <p:cSld>
-    <p:spTree>
-      <p:nvGrpSpPr>
-        <p:cNvPr id="1" name=""/>
-        <p:cNvGrpSpPr/>
-        <p:nvPr/>
-      </p:nvGrpSpPr>
-      <p:grpSpPr>
-        <a:xfrm>
-          <a:off x="0" y="0"/>
-          <a:ext cx="0" cy="0"/>
-          <a:chOff x="0" y="0"/>
-          <a:chExt cx="0" cy="0"/>
-        </a:xfrm>
-      </p:grpSpPr>
-      <p:pic>
-        <p:nvPicPr>
-          <p:cNvPr id="17410" name="Espace réservé du contenu 3" descr="GET Phone.PNG"/>
-          <p:cNvPicPr>
-            <a:picLocks noGrp="1" noChangeAspect="1"/>
-          </p:cNvPicPr>
-          <p:nvPr>
-            <p:ph idx="1"/>
-          </p:nvPr>
-        </p:nvPicPr>
-        <p:blipFill>
-          <a:blip r:embed="rId2" cstate="print"/>
-          <a:srcRect/>
-          <a:stretch>
-            <a:fillRect/>
-          </a:stretch>
-        </p:blipFill>
-        <p:spPr>
-          <a:xfrm>
-            <a:off x="107950" y="1216025"/>
-            <a:ext cx="8928100" cy="5165725"/>
-          </a:xfrm>
-        </p:spPr>
-      </p:pic>
-      <p:sp>
-        <p:nvSpPr>
-          <p:cNvPr id="17411" name="Titre 1"/>
-          <p:cNvSpPr>
-            <a:spLocks noGrp="1"/>
-          </p:cNvSpPr>
-          <p:nvPr>
-            <p:ph type="title"/>
-          </p:nvPr>
-        </p:nvSpPr>
-        <p:spPr>
-          <a:xfrm>
-            <a:off x="457200" y="115888"/>
-            <a:ext cx="8229600" cy="725487"/>
-          </a:xfrm>
-        </p:spPr>
-        <p:txBody>
-          <a:bodyPr/>
-          <a:lstStyle/>
-          <a:p>
-            <a:pPr eaLnBrk="1" hangingPunct="1"/>
-            <a:r>
-              <a:rPr lang="fr-FR" sz="3600" smtClean="0"/>
-              <a:t>GET phone</a:t>
-            </a:r>
-          </a:p>
-        </p:txBody>
-      </p:sp>
-    </p:spTree>
-  </p:cSld>
-  <p:clrMapOvr>
-    <a:masterClrMapping/>
-  </p:clrMapOvr>
-  <p:timing>
-    <p:tnLst>
-      <p:par>
-        <p:cTn id="1" dur="indefinite" restart="never" nodeType="tmRoot"/>
-      </p:par>
-    </p:tnLst>
-  </p:timing>
-</p:sld>
-</file>
-
-<file path=ppt/slides/slide18.xml><?xml version="1.0" encoding="utf-8"?>
-<p:sld xmlns:a="http://schemas.openxmlformats.org/drawingml/2006/main" xmlns:r="http://schemas.openxmlformats.org/officeDocument/2006/relationships" xmlns:p="http://schemas.openxmlformats.org/presentationml/2006/main">
-  <p:cSld>
-    <p:spTree>
-      <p:nvGrpSpPr>
-        <p:cNvPr id="1" name=""/>
-        <p:cNvGrpSpPr/>
-        <p:nvPr/>
-      </p:nvGrpSpPr>
-      <p:grpSpPr>
-        <a:xfrm>
-          <a:off x="0" y="0"/>
-          <a:ext cx="0" cy="0"/>
-          <a:chOff x="0" y="0"/>
-          <a:chExt cx="0" cy="0"/>
-        </a:xfrm>
-      </p:grpSpPr>
-      <p:pic>
-        <p:nvPicPr>
-          <p:cNvPr id="18434" name="Espace réservé du contenu 3" descr="GET Phones.PNG"/>
-          <p:cNvPicPr>
-            <a:picLocks noGrp="1" noChangeAspect="1"/>
-          </p:cNvPicPr>
-          <p:nvPr>
-            <p:ph idx="1"/>
-          </p:nvPr>
-        </p:nvPicPr>
-        <p:blipFill>
-          <a:blip r:embed="rId2" cstate="print"/>
-          <a:srcRect/>
-          <a:stretch>
-            <a:fillRect/>
-          </a:stretch>
-        </p:blipFill>
-        <p:spPr>
-          <a:xfrm>
-            <a:off x="179388" y="1327150"/>
-            <a:ext cx="8785225" cy="4981575"/>
-          </a:xfrm>
-        </p:spPr>
-      </p:pic>
-      <p:sp>
-        <p:nvSpPr>
-          <p:cNvPr id="18435" name="Titre 1"/>
-          <p:cNvSpPr>
-            <a:spLocks noGrp="1"/>
-          </p:cNvSpPr>
-          <p:nvPr>
-            <p:ph type="title"/>
-          </p:nvPr>
-        </p:nvSpPr>
-        <p:spPr>
-          <a:xfrm>
-            <a:off x="457200" y="115888"/>
-            <a:ext cx="8229600" cy="725487"/>
-          </a:xfrm>
-        </p:spPr>
-        <p:txBody>
-          <a:bodyPr/>
-          <a:lstStyle/>
-          <a:p>
-            <a:pPr eaLnBrk="1" hangingPunct="1"/>
-            <a:r>
-              <a:rPr lang="fr-FR" sz="3600" smtClean="0"/>
-              <a:t>GET phones</a:t>
-            </a:r>
-          </a:p>
-        </p:txBody>
-      </p:sp>
-    </p:spTree>
-  </p:cSld>
-  <p:clrMapOvr>
-    <a:masterClrMapping/>
-  </p:clrMapOvr>
-  <p:timing>
-    <p:tnLst>
-      <p:par>
-        <p:cTn id="1" dur="indefinite" restart="never" nodeType="tmRoot"/>
-      </p:par>
-    </p:tnLst>
-  </p:timing>
-</p:sld>
-</file>
-
-<file path=ppt/slides/slide19.xml><?xml version="1.0" encoding="utf-8"?>
-<p:sld xmlns:a="http://schemas.openxmlformats.org/drawingml/2006/main" xmlns:r="http://schemas.openxmlformats.org/officeDocument/2006/relationships" xmlns:p="http://schemas.openxmlformats.org/presentationml/2006/main">
-  <p:cSld>
-    <p:spTree>
-      <p:nvGrpSpPr>
-        <p:cNvPr id="1" name=""/>
-        <p:cNvGrpSpPr/>
-        <p:nvPr/>
-      </p:nvGrpSpPr>
-      <p:grpSpPr>
-        <a:xfrm>
-          <a:off x="0" y="0"/>
-          <a:ext cx="0" cy="0"/>
-          <a:chOff x="0" y="0"/>
-          <a:chExt cx="0" cy="0"/>
-        </a:xfrm>
-      </p:grpSpPr>
-      <p:pic>
-        <p:nvPicPr>
-          <p:cNvPr id="19458" name="Espace réservé du contenu 3" descr="GET user.PNG"/>
-          <p:cNvPicPr>
-            <a:picLocks noGrp="1" noChangeAspect="1"/>
-          </p:cNvPicPr>
-          <p:nvPr>
-            <p:ph idx="1"/>
-          </p:nvPr>
-        </p:nvPicPr>
-        <p:blipFill>
-          <a:blip r:embed="rId2" cstate="print"/>
-          <a:srcRect/>
-          <a:stretch>
-            <a:fillRect/>
-          </a:stretch>
-        </p:blipFill>
-        <p:spPr>
-          <a:xfrm>
-            <a:off x="107950" y="1268413"/>
-            <a:ext cx="8943975" cy="5113337"/>
-          </a:xfrm>
-        </p:spPr>
-      </p:pic>
-      <p:sp>
-        <p:nvSpPr>
-          <p:cNvPr id="19459" name="Titre 1"/>
-          <p:cNvSpPr>
-            <a:spLocks noGrp="1"/>
-          </p:cNvSpPr>
-          <p:nvPr>
-            <p:ph type="title"/>
-          </p:nvPr>
-        </p:nvSpPr>
-        <p:spPr>
-          <a:xfrm>
-            <a:off x="457200" y="115888"/>
-            <a:ext cx="8229600" cy="725487"/>
-          </a:xfrm>
-        </p:spPr>
-        <p:txBody>
-          <a:bodyPr/>
-          <a:lstStyle/>
-          <a:p>
-            <a:pPr eaLnBrk="1" hangingPunct="1"/>
-            <a:r>
-              <a:rPr lang="fr-FR" sz="3600" smtClean="0"/>
-              <a:t>GET user</a:t>
-            </a:r>
-          </a:p>
-        </p:txBody>
-      </p:sp>
-    </p:spTree>
-  </p:cSld>
-  <p:clrMapOvr>
-    <a:masterClrMapping/>
-  </p:clrMapOvr>
-  <p:timing>
-    <p:tnLst>
-      <p:par>
-        <p:cTn id="1" dur="indefinite" restart="never" nodeType="tmRoot"/>
-      </p:par>
-    </p:tnLst>
-  </p:timing>
 </p:sld>
 </file>
 
@@ -4807,14 +4030,19 @@
             <p:ph type="title"/>
           </p:nvPr>
         </p:nvSpPr>
-        <p:spPr/>
+        <p:spPr>
+          <a:xfrm>
+            <a:off x="457200" y="130622"/>
+            <a:ext cx="8229600" cy="418058"/>
+          </a:xfrm>
+        </p:spPr>
         <p:txBody>
           <a:bodyPr/>
           <a:lstStyle/>
           <a:p>
             <a:pPr eaLnBrk="1" hangingPunct="1"/>
             <a:r>
-              <a:rPr lang="fr-FR" smtClean="0"/>
+              <a:rPr lang="fr-FR" dirty="0" smtClean="0"/>
               <a:t>Contexte</a:t>
             </a:r>
           </a:p>
@@ -4830,13 +4058,184 @@
             <p:ph idx="1"/>
           </p:nvPr>
         </p:nvSpPr>
-        <p:spPr/>
+        <p:spPr>
+          <a:xfrm>
+            <a:off x="179512" y="1340768"/>
+            <a:ext cx="8712968" cy="4824536"/>
+          </a:xfrm>
+        </p:spPr>
         <p:txBody>
           <a:bodyPr/>
           <a:lstStyle/>
           <a:p>
-            <a:pPr eaLnBrk="1" hangingPunct="1"/>
-            <a:endParaRPr lang="fr-FR" sz="2400" dirty="0" smtClean="0"/>
+            <a:r>
+              <a:rPr lang="fr-FR" sz="2000" b="1" dirty="0" err="1" smtClean="0"/>
+              <a:t>ToDo</a:t>
+            </a:r>
+            <a:r>
+              <a:rPr lang="fr-FR" sz="2000" b="1" dirty="0" smtClean="0"/>
+              <a:t> &amp; Co</a:t>
+            </a:r>
+            <a:r>
+              <a:rPr lang="fr-FR" sz="2000" dirty="0" smtClean="0"/>
+              <a:t> </a:t>
+            </a:r>
+            <a:r>
+              <a:rPr lang="fr-FR" sz="2000" dirty="0" smtClean="0"/>
+              <a:t>une </a:t>
+            </a:r>
+            <a:r>
+              <a:rPr lang="fr-FR" sz="2000" dirty="0" smtClean="0"/>
+              <a:t>startup dont le </a:t>
+            </a:r>
+            <a:r>
+              <a:rPr lang="fr-FR" sz="2000" dirty="0" err="1" smtClean="0"/>
+              <a:t>coeur</a:t>
+            </a:r>
+            <a:r>
+              <a:rPr lang="fr-FR" sz="2000" dirty="0" smtClean="0"/>
+              <a:t> de métier est une application permettant de gérer ses tâches quotidiennes. </a:t>
+            </a:r>
+            <a:r>
+              <a:rPr lang="fr-FR" sz="2000" dirty="0" smtClean="0"/>
+              <a:t>L’entreprise </a:t>
+            </a:r>
+            <a:r>
+              <a:rPr lang="fr-FR" sz="2000" dirty="0" smtClean="0"/>
+              <a:t>vient tout juste d’être montée, et l’application a dû être développée à toute vitesse pour permettre de montrer à de potentiels investisseurs que le concept est viable (on parle de Minimum Viable Product ou MVP). Le choix du développeur précédent a été d’utiliser le framework PHP </a:t>
+            </a:r>
+            <a:r>
+              <a:rPr lang="fr-FR" sz="2000" dirty="0" smtClean="0"/>
+              <a:t>Symfony</a:t>
+            </a:r>
+            <a:r>
+              <a:rPr lang="fr-FR" sz="2000" dirty="0" smtClean="0"/>
+              <a:t> </a:t>
+            </a:r>
+            <a:r>
+              <a:rPr lang="fr-FR" sz="2000" dirty="0" smtClean="0"/>
+              <a:t>.</a:t>
+            </a:r>
+            <a:endParaRPr lang="fr-FR" sz="2000" dirty="0" smtClean="0"/>
+          </a:p>
+          <a:p>
+            <a:r>
+              <a:rPr lang="fr-FR" sz="2000" b="1" dirty="0" err="1" smtClean="0"/>
+              <a:t>ToDo</a:t>
+            </a:r>
+            <a:r>
+              <a:rPr lang="fr-FR" sz="2000" b="1" dirty="0" smtClean="0"/>
+              <a:t> </a:t>
+            </a:r>
+            <a:r>
+              <a:rPr lang="fr-FR" sz="2000" b="1" dirty="0" smtClean="0"/>
+              <a:t>&amp; Co</a:t>
+            </a:r>
+            <a:r>
+              <a:rPr lang="fr-FR" sz="2000" dirty="0" smtClean="0"/>
+              <a:t> a </a:t>
+            </a:r>
+            <a:r>
+              <a:rPr lang="fr-FR" sz="2000" dirty="0" smtClean="0"/>
+              <a:t>réussi une </a:t>
+            </a:r>
+            <a:r>
+              <a:rPr lang="fr-FR" sz="2000" dirty="0" smtClean="0"/>
+              <a:t>lever </a:t>
+            </a:r>
+            <a:r>
+              <a:rPr lang="fr-FR" sz="2000" dirty="0" smtClean="0"/>
+              <a:t>de fonds </a:t>
+            </a:r>
+            <a:r>
+              <a:rPr lang="fr-FR" sz="2000" dirty="0" smtClean="0"/>
+              <a:t>pour permettre le développement de l’entreprise </a:t>
+            </a:r>
+            <a:r>
+              <a:rPr lang="fr-FR" sz="2000" dirty="0" smtClean="0"/>
+              <a:t>et </a:t>
+            </a:r>
+            <a:r>
+              <a:rPr lang="fr-FR" sz="2000" dirty="0" smtClean="0"/>
+              <a:t>de l’application</a:t>
+            </a:r>
+            <a:r>
+              <a:rPr lang="fr-FR" sz="2000" dirty="0" smtClean="0"/>
+              <a:t>.</a:t>
+            </a:r>
+            <a:endParaRPr lang="fr-FR" sz="2000" dirty="0" smtClean="0"/>
+          </a:p>
+          <a:p>
+            <a:r>
+              <a:rPr lang="fr-FR" sz="2000" dirty="0" smtClean="0"/>
+              <a:t>Mon </a:t>
+            </a:r>
+            <a:r>
+              <a:rPr lang="fr-FR" sz="2000" dirty="0" smtClean="0"/>
+              <a:t>rôle ici est donc d’améliorer la qualité de l’application</a:t>
+            </a:r>
+            <a:r>
+              <a:rPr lang="fr-FR" sz="2000" dirty="0" smtClean="0"/>
+              <a:t>.</a:t>
+            </a:r>
+            <a:endParaRPr lang="fr-FR" sz="2000" dirty="0" smtClean="0"/>
+          </a:p>
+          <a:p>
+            <a:r>
+              <a:rPr lang="fr-FR" sz="2000" dirty="0" smtClean="0"/>
+              <a:t>L</a:t>
+            </a:r>
+            <a:r>
+              <a:rPr lang="fr-FR" sz="2000" dirty="0" smtClean="0"/>
+              <a:t>’implémentation </a:t>
+            </a:r>
+            <a:r>
+              <a:rPr lang="fr-FR" sz="2000" dirty="0" smtClean="0"/>
+              <a:t>de nouvelles fonctionnalités ;</a:t>
+            </a:r>
+          </a:p>
+          <a:p>
+            <a:r>
+              <a:rPr lang="fr-FR" sz="2000" dirty="0" smtClean="0"/>
+              <a:t>La </a:t>
+            </a:r>
+            <a:r>
+              <a:rPr lang="fr-FR" sz="2000" dirty="0" smtClean="0"/>
+              <a:t>correction de quelques anomalies ;</a:t>
+            </a:r>
+          </a:p>
+          <a:p>
+            <a:r>
+              <a:rPr lang="fr-FR" sz="2000" dirty="0" smtClean="0"/>
+              <a:t>L</a:t>
+            </a:r>
+            <a:r>
+              <a:rPr lang="fr-FR" sz="2000" dirty="0" smtClean="0"/>
+              <a:t>’implémentation </a:t>
+            </a:r>
+            <a:r>
+              <a:rPr lang="fr-FR" sz="2000" dirty="0" smtClean="0"/>
+              <a:t>de tests automatisés.</a:t>
+            </a:r>
+          </a:p>
+          <a:p>
+            <a:r>
+              <a:rPr lang="fr-FR" sz="2000" dirty="0" smtClean="0"/>
+              <a:t>D</a:t>
+            </a:r>
+            <a:r>
+              <a:rPr lang="fr-FR" sz="2000" dirty="0" smtClean="0"/>
+              <a:t>’analyser </a:t>
+            </a:r>
+            <a:r>
+              <a:rPr lang="fr-FR" sz="2000" dirty="0" smtClean="0"/>
+              <a:t>le projet grâce à des outils </a:t>
+            </a:r>
+            <a:r>
+              <a:rPr lang="fr-FR" sz="2000" dirty="0" smtClean="0"/>
+              <a:t>permettant de mesurer la qualité de code et les performances de l’application.</a:t>
+            </a:r>
+            <a:endParaRPr lang="fr-FR" sz="2000" dirty="0" smtClean="0"/>
           </a:p>
         </p:txBody>
       </p:sp>
@@ -4852,730 +4251,6 @@
       </p:par>
     </p:tnLst>
   </p:timing>
-</p:sld>
-</file>
-
-<file path=ppt/slides/slide20.xml><?xml version="1.0" encoding="utf-8"?>
-<p:sld xmlns:a="http://schemas.openxmlformats.org/drawingml/2006/main" xmlns:r="http://schemas.openxmlformats.org/officeDocument/2006/relationships" xmlns:p="http://schemas.openxmlformats.org/presentationml/2006/main">
-  <p:cSld>
-    <p:spTree>
-      <p:nvGrpSpPr>
-        <p:cNvPr id="1" name=""/>
-        <p:cNvGrpSpPr/>
-        <p:nvPr/>
-      </p:nvGrpSpPr>
-      <p:grpSpPr>
-        <a:xfrm>
-          <a:off x="0" y="0"/>
-          <a:ext cx="0" cy="0"/>
-          <a:chOff x="0" y="0"/>
-          <a:chExt cx="0" cy="0"/>
-        </a:xfrm>
-      </p:grpSpPr>
-      <p:pic>
-        <p:nvPicPr>
-          <p:cNvPr id="20482" name="Espace réservé du contenu 3" descr="POST user.PNG"/>
-          <p:cNvPicPr>
-            <a:picLocks noGrp="1" noChangeAspect="1"/>
-          </p:cNvPicPr>
-          <p:nvPr>
-            <p:ph idx="1"/>
-          </p:nvPr>
-        </p:nvPicPr>
-        <p:blipFill>
-          <a:blip r:embed="rId2" cstate="print"/>
-          <a:srcRect/>
-          <a:stretch>
-            <a:fillRect/>
-          </a:stretch>
-        </p:blipFill>
-        <p:spPr>
-          <a:xfrm>
-            <a:off x="233363" y="1484313"/>
-            <a:ext cx="8731250" cy="5040312"/>
-          </a:xfrm>
-        </p:spPr>
-      </p:pic>
-      <p:sp>
-        <p:nvSpPr>
-          <p:cNvPr id="20483" name="Titre 1"/>
-          <p:cNvSpPr>
-            <a:spLocks noGrp="1"/>
-          </p:cNvSpPr>
-          <p:nvPr>
-            <p:ph type="title"/>
-          </p:nvPr>
-        </p:nvSpPr>
-        <p:spPr>
-          <a:xfrm>
-            <a:off x="457200" y="115888"/>
-            <a:ext cx="8229600" cy="725487"/>
-          </a:xfrm>
-        </p:spPr>
-        <p:txBody>
-          <a:bodyPr/>
-          <a:lstStyle/>
-          <a:p>
-            <a:pPr eaLnBrk="1" hangingPunct="1"/>
-            <a:r>
-              <a:rPr lang="fr-FR" sz="3600" smtClean="0"/>
-              <a:t>POST user</a:t>
-            </a:r>
-          </a:p>
-        </p:txBody>
-      </p:sp>
-    </p:spTree>
-  </p:cSld>
-  <p:clrMapOvr>
-    <a:masterClrMapping/>
-  </p:clrMapOvr>
-  <p:timing>
-    <p:tnLst>
-      <p:par>
-        <p:cTn id="1" dur="indefinite" restart="never" nodeType="tmRoot"/>
-      </p:par>
-    </p:tnLst>
-  </p:timing>
-</p:sld>
-</file>
-
-<file path=ppt/slides/slide21.xml><?xml version="1.0" encoding="utf-8"?>
-<p:sld xmlns:a="http://schemas.openxmlformats.org/drawingml/2006/main" xmlns:r="http://schemas.openxmlformats.org/officeDocument/2006/relationships" xmlns:p="http://schemas.openxmlformats.org/presentationml/2006/main">
-  <p:cSld>
-    <p:spTree>
-      <p:nvGrpSpPr>
-        <p:cNvPr id="1" name=""/>
-        <p:cNvGrpSpPr/>
-        <p:nvPr/>
-      </p:nvGrpSpPr>
-      <p:grpSpPr>
-        <a:xfrm>
-          <a:off x="0" y="0"/>
-          <a:ext cx="0" cy="0"/>
-          <a:chOff x="0" y="0"/>
-          <a:chExt cx="0" cy="0"/>
-        </a:xfrm>
-      </p:grpSpPr>
-      <p:sp>
-        <p:nvSpPr>
-          <p:cNvPr id="21506" name="Titre 1"/>
-          <p:cNvSpPr>
-            <a:spLocks noGrp="1"/>
-          </p:cNvSpPr>
-          <p:nvPr>
-            <p:ph type="title"/>
-          </p:nvPr>
-        </p:nvSpPr>
-        <p:spPr>
-          <a:xfrm>
-            <a:off x="457200" y="274638"/>
-            <a:ext cx="8229600" cy="6178550"/>
-          </a:xfrm>
-        </p:spPr>
-        <p:txBody>
-          <a:bodyPr/>
-          <a:lstStyle/>
-          <a:p>
-            <a:r>
-              <a:rPr lang="fr-FR" smtClean="0"/>
-              <a:t>UML diagrammes de séquence</a:t>
-            </a:r>
-          </a:p>
-        </p:txBody>
-      </p:sp>
-    </p:spTree>
-  </p:cSld>
-  <p:clrMapOvr>
-    <a:masterClrMapping/>
-  </p:clrMapOvr>
-</p:sld>
-</file>
-
-<file path=ppt/slides/slide22.xml><?xml version="1.0" encoding="utf-8"?>
-<p:sld xmlns:a="http://schemas.openxmlformats.org/drawingml/2006/main" xmlns:r="http://schemas.openxmlformats.org/officeDocument/2006/relationships" xmlns:p="http://schemas.openxmlformats.org/presentationml/2006/main">
-  <p:cSld>
-    <p:spTree>
-      <p:nvGrpSpPr>
-        <p:cNvPr id="1" name=""/>
-        <p:cNvGrpSpPr/>
-        <p:nvPr/>
-      </p:nvGrpSpPr>
-      <p:grpSpPr>
-        <a:xfrm>
-          <a:off x="0" y="0"/>
-          <a:ext cx="0" cy="0"/>
-          <a:chOff x="0" y="0"/>
-          <a:chExt cx="0" cy="0"/>
-        </a:xfrm>
-      </p:grpSpPr>
-      <p:pic>
-        <p:nvPicPr>
-          <p:cNvPr id="22530" name="Espace réservé du contenu 3" descr="client.png"/>
-          <p:cNvPicPr>
-            <a:picLocks noGrp="1" noChangeAspect="1"/>
-          </p:cNvPicPr>
-          <p:nvPr>
-            <p:ph idx="1"/>
-          </p:nvPr>
-        </p:nvPicPr>
-        <p:blipFill>
-          <a:blip r:embed="rId2" cstate="print"/>
-          <a:srcRect/>
-          <a:stretch>
-            <a:fillRect/>
-          </a:stretch>
-        </p:blipFill>
-        <p:spPr>
-          <a:xfrm>
-            <a:off x="1144588" y="188913"/>
-            <a:ext cx="6854825" cy="6480175"/>
-          </a:xfrm>
-        </p:spPr>
-      </p:pic>
-    </p:spTree>
-  </p:cSld>
-  <p:clrMapOvr>
-    <a:masterClrMapping/>
-  </p:clrMapOvr>
-</p:sld>
-</file>
-
-<file path=ppt/slides/slide23.xml><?xml version="1.0" encoding="utf-8"?>
-<p:sld xmlns:a="http://schemas.openxmlformats.org/drawingml/2006/main" xmlns:r="http://schemas.openxmlformats.org/officeDocument/2006/relationships" xmlns:p="http://schemas.openxmlformats.org/presentationml/2006/main">
-  <p:cSld>
-    <p:spTree>
-      <p:nvGrpSpPr>
-        <p:cNvPr id="1" name=""/>
-        <p:cNvGrpSpPr/>
-        <p:nvPr/>
-      </p:nvGrpSpPr>
-      <p:grpSpPr>
-        <a:xfrm>
-          <a:off x="0" y="0"/>
-          <a:ext cx="0" cy="0"/>
-          <a:chOff x="0" y="0"/>
-          <a:chExt cx="0" cy="0"/>
-        </a:xfrm>
-      </p:grpSpPr>
-      <p:pic>
-        <p:nvPicPr>
-          <p:cNvPr id="23554" name="Espace réservé du contenu 3" descr="login.png"/>
-          <p:cNvPicPr>
-            <a:picLocks noGrp="1" noChangeAspect="1"/>
-          </p:cNvPicPr>
-          <p:nvPr>
-            <p:ph idx="1"/>
-          </p:nvPr>
-        </p:nvPicPr>
-        <p:blipFill>
-          <a:blip r:embed="rId2" cstate="print"/>
-          <a:srcRect/>
-          <a:stretch>
-            <a:fillRect/>
-          </a:stretch>
-        </p:blipFill>
-        <p:spPr>
-          <a:xfrm>
-            <a:off x="250825" y="981075"/>
-            <a:ext cx="8642350" cy="5688013"/>
-          </a:xfrm>
-        </p:spPr>
-      </p:pic>
-      <p:sp>
-        <p:nvSpPr>
-          <p:cNvPr id="23555" name="Titre 1"/>
-          <p:cNvSpPr>
-            <a:spLocks noGrp="1"/>
-          </p:cNvSpPr>
-          <p:nvPr>
-            <p:ph type="title"/>
-          </p:nvPr>
-        </p:nvSpPr>
-        <p:spPr>
-          <a:xfrm>
-            <a:off x="457200" y="274638"/>
-            <a:ext cx="8229600" cy="633412"/>
-          </a:xfrm>
-        </p:spPr>
-        <p:txBody>
-          <a:bodyPr/>
-          <a:lstStyle/>
-          <a:p>
-            <a:pPr eaLnBrk="1" hangingPunct="1"/>
-            <a:r>
-              <a:rPr lang="fr-FR" sz="3200" smtClean="0"/>
-              <a:t>Login : /api/login_check</a:t>
-            </a:r>
-          </a:p>
-        </p:txBody>
-      </p:sp>
-    </p:spTree>
-  </p:cSld>
-  <p:clrMapOvr>
-    <a:masterClrMapping/>
-  </p:clrMapOvr>
-</p:sld>
-</file>
-
-<file path=ppt/slides/slide24.xml><?xml version="1.0" encoding="utf-8"?>
-<p:sld xmlns:a="http://schemas.openxmlformats.org/drawingml/2006/main" xmlns:r="http://schemas.openxmlformats.org/officeDocument/2006/relationships" xmlns:p="http://schemas.openxmlformats.org/presentationml/2006/main">
-  <p:cSld>
-    <p:spTree>
-      <p:nvGrpSpPr>
-        <p:cNvPr id="1" name=""/>
-        <p:cNvGrpSpPr/>
-        <p:nvPr/>
-      </p:nvGrpSpPr>
-      <p:grpSpPr>
-        <a:xfrm>
-          <a:off x="0" y="0"/>
-          <a:ext cx="0" cy="0"/>
-          <a:chOff x="0" y="0"/>
-          <a:chExt cx="0" cy="0"/>
-        </a:xfrm>
-      </p:grpSpPr>
-      <p:pic>
-        <p:nvPicPr>
-          <p:cNvPr id="24578" name="Espace réservé du contenu 5" descr="get phones.png"/>
-          <p:cNvPicPr>
-            <a:picLocks noGrp="1" noChangeAspect="1"/>
-          </p:cNvPicPr>
-          <p:nvPr>
-            <p:ph idx="1"/>
-          </p:nvPr>
-        </p:nvPicPr>
-        <p:blipFill>
-          <a:blip r:embed="rId2" cstate="print"/>
-          <a:srcRect/>
-          <a:stretch>
-            <a:fillRect/>
-          </a:stretch>
-        </p:blipFill>
-        <p:spPr>
-          <a:xfrm>
-            <a:off x="323850" y="1196975"/>
-            <a:ext cx="8569325" cy="5400675"/>
-          </a:xfrm>
-        </p:spPr>
-      </p:pic>
-      <p:sp>
-        <p:nvSpPr>
-          <p:cNvPr id="24579" name="Titre 1"/>
-          <p:cNvSpPr>
-            <a:spLocks noGrp="1"/>
-          </p:cNvSpPr>
-          <p:nvPr>
-            <p:ph type="title"/>
-          </p:nvPr>
-        </p:nvSpPr>
-        <p:spPr>
-          <a:xfrm>
-            <a:off x="457200" y="274638"/>
-            <a:ext cx="8229600" cy="633412"/>
-          </a:xfrm>
-        </p:spPr>
-        <p:txBody>
-          <a:bodyPr/>
-          <a:lstStyle/>
-          <a:p>
-            <a:pPr eaLnBrk="1" hangingPunct="1"/>
-            <a:r>
-              <a:rPr lang="fr-FR" sz="3200" smtClean="0"/>
-              <a:t>Phones list : /api/phones (GET)</a:t>
-            </a:r>
-          </a:p>
-        </p:txBody>
-      </p:sp>
-    </p:spTree>
-  </p:cSld>
-  <p:clrMapOvr>
-    <a:masterClrMapping/>
-  </p:clrMapOvr>
-</p:sld>
-</file>
-
-<file path=ppt/slides/slide25.xml><?xml version="1.0" encoding="utf-8"?>
-<p:sld xmlns:a="http://schemas.openxmlformats.org/drawingml/2006/main" xmlns:r="http://schemas.openxmlformats.org/officeDocument/2006/relationships" xmlns:p="http://schemas.openxmlformats.org/presentationml/2006/main">
-  <p:cSld>
-    <p:spTree>
-      <p:nvGrpSpPr>
-        <p:cNvPr id="1" name=""/>
-        <p:cNvGrpSpPr/>
-        <p:nvPr/>
-      </p:nvGrpSpPr>
-      <p:grpSpPr>
-        <a:xfrm>
-          <a:off x="0" y="0"/>
-          <a:ext cx="0" cy="0"/>
-          <a:chOff x="0" y="0"/>
-          <a:chExt cx="0" cy="0"/>
-        </a:xfrm>
-      </p:grpSpPr>
-      <p:pic>
-        <p:nvPicPr>
-          <p:cNvPr id="25602" name="Espace réservé du contenu 3" descr="get phone.png"/>
-          <p:cNvPicPr>
-            <a:picLocks noGrp="1" noChangeAspect="1"/>
-          </p:cNvPicPr>
-          <p:nvPr>
-            <p:ph idx="1"/>
-          </p:nvPr>
-        </p:nvPicPr>
-        <p:blipFill>
-          <a:blip r:embed="rId2" cstate="print"/>
-          <a:srcRect/>
-          <a:stretch>
-            <a:fillRect/>
-          </a:stretch>
-        </p:blipFill>
-        <p:spPr>
-          <a:xfrm>
-            <a:off x="755650" y="841375"/>
-            <a:ext cx="7632700" cy="5900738"/>
-          </a:xfrm>
-        </p:spPr>
-      </p:pic>
-      <p:sp>
-        <p:nvSpPr>
-          <p:cNvPr id="25603" name="Titre 1"/>
-          <p:cNvSpPr>
-            <a:spLocks noGrp="1"/>
-          </p:cNvSpPr>
-          <p:nvPr>
-            <p:ph type="title"/>
-          </p:nvPr>
-        </p:nvSpPr>
-        <p:spPr>
-          <a:xfrm>
-            <a:off x="457200" y="130175"/>
-            <a:ext cx="8229600" cy="635000"/>
-          </a:xfrm>
-        </p:spPr>
-        <p:txBody>
-          <a:bodyPr/>
-          <a:lstStyle/>
-          <a:p>
-            <a:pPr eaLnBrk="1" hangingPunct="1"/>
-            <a:r>
-              <a:rPr lang="fr-FR" sz="3200" smtClean="0"/>
-              <a:t>Phone : /api/phones/id (GET)</a:t>
-            </a:r>
-          </a:p>
-        </p:txBody>
-      </p:sp>
-    </p:spTree>
-  </p:cSld>
-  <p:clrMapOvr>
-    <a:masterClrMapping/>
-  </p:clrMapOvr>
-</p:sld>
-</file>
-
-<file path=ppt/slides/slide26.xml><?xml version="1.0" encoding="utf-8"?>
-<p:sld xmlns:a="http://schemas.openxmlformats.org/drawingml/2006/main" xmlns:r="http://schemas.openxmlformats.org/officeDocument/2006/relationships" xmlns:p="http://schemas.openxmlformats.org/presentationml/2006/main">
-  <p:cSld>
-    <p:spTree>
-      <p:nvGrpSpPr>
-        <p:cNvPr id="1" name=""/>
-        <p:cNvGrpSpPr/>
-        <p:nvPr/>
-      </p:nvGrpSpPr>
-      <p:grpSpPr>
-        <a:xfrm>
-          <a:off x="0" y="0"/>
-          <a:ext cx="0" cy="0"/>
-          <a:chOff x="0" y="0"/>
-          <a:chExt cx="0" cy="0"/>
-        </a:xfrm>
-      </p:grpSpPr>
-      <p:pic>
-        <p:nvPicPr>
-          <p:cNvPr id="26626" name="Espace réservé du contenu 3" descr="add user.png"/>
-          <p:cNvPicPr>
-            <a:picLocks noGrp="1" noChangeAspect="1"/>
-          </p:cNvPicPr>
-          <p:nvPr>
-            <p:ph idx="1"/>
-          </p:nvPr>
-        </p:nvPicPr>
-        <p:blipFill>
-          <a:blip r:embed="rId2" cstate="print"/>
-          <a:srcRect/>
-          <a:stretch>
-            <a:fillRect/>
-          </a:stretch>
-        </p:blipFill>
-        <p:spPr>
-          <a:xfrm>
-            <a:off x="539750" y="1171575"/>
-            <a:ext cx="8243888" cy="5426075"/>
-          </a:xfrm>
-        </p:spPr>
-      </p:pic>
-      <p:sp>
-        <p:nvSpPr>
-          <p:cNvPr id="26627" name="Titre 1"/>
-          <p:cNvSpPr>
-            <a:spLocks noGrp="1"/>
-          </p:cNvSpPr>
-          <p:nvPr>
-            <p:ph type="title"/>
-          </p:nvPr>
-        </p:nvSpPr>
-        <p:spPr>
-          <a:xfrm>
-            <a:off x="457200" y="274638"/>
-            <a:ext cx="8229600" cy="633412"/>
-          </a:xfrm>
-        </p:spPr>
-        <p:txBody>
-          <a:bodyPr/>
-          <a:lstStyle/>
-          <a:p>
-            <a:pPr eaLnBrk="1" hangingPunct="1"/>
-            <a:r>
-              <a:rPr lang="fr-FR" sz="3200" smtClean="0"/>
-              <a:t>Add user : /api/users (POST)</a:t>
-            </a:r>
-          </a:p>
-        </p:txBody>
-      </p:sp>
-    </p:spTree>
-  </p:cSld>
-  <p:clrMapOvr>
-    <a:masterClrMapping/>
-  </p:clrMapOvr>
-</p:sld>
-</file>
-
-<file path=ppt/slides/slide27.xml><?xml version="1.0" encoding="utf-8"?>
-<p:sld xmlns:a="http://schemas.openxmlformats.org/drawingml/2006/main" xmlns:r="http://schemas.openxmlformats.org/officeDocument/2006/relationships" xmlns:p="http://schemas.openxmlformats.org/presentationml/2006/main">
-  <p:cSld>
-    <p:spTree>
-      <p:nvGrpSpPr>
-        <p:cNvPr id="1" name=""/>
-        <p:cNvGrpSpPr/>
-        <p:nvPr/>
-      </p:nvGrpSpPr>
-      <p:grpSpPr>
-        <a:xfrm>
-          <a:off x="0" y="0"/>
-          <a:ext cx="0" cy="0"/>
-          <a:chOff x="0" y="0"/>
-          <a:chExt cx="0" cy="0"/>
-        </a:xfrm>
-      </p:grpSpPr>
-      <p:pic>
-        <p:nvPicPr>
-          <p:cNvPr id="27650" name="Espace réservé du contenu 3" descr="get users.png"/>
-          <p:cNvPicPr>
-            <a:picLocks noGrp="1" noChangeAspect="1"/>
-          </p:cNvPicPr>
-          <p:nvPr>
-            <p:ph idx="1"/>
-          </p:nvPr>
-        </p:nvPicPr>
-        <p:blipFill>
-          <a:blip r:embed="rId2" cstate="print"/>
-          <a:srcRect/>
-          <a:stretch>
-            <a:fillRect/>
-          </a:stretch>
-        </p:blipFill>
-        <p:spPr>
-          <a:xfrm>
-            <a:off x="323850" y="1268413"/>
-            <a:ext cx="8640763" cy="5329237"/>
-          </a:xfrm>
-        </p:spPr>
-      </p:pic>
-      <p:sp>
-        <p:nvSpPr>
-          <p:cNvPr id="27651" name="Titre 1"/>
-          <p:cNvSpPr>
-            <a:spLocks noGrp="1"/>
-          </p:cNvSpPr>
-          <p:nvPr>
-            <p:ph type="title"/>
-          </p:nvPr>
-        </p:nvSpPr>
-        <p:spPr>
-          <a:xfrm>
-            <a:off x="457200" y="274638"/>
-            <a:ext cx="8229600" cy="633412"/>
-          </a:xfrm>
-        </p:spPr>
-        <p:txBody>
-          <a:bodyPr/>
-          <a:lstStyle/>
-          <a:p>
-            <a:pPr eaLnBrk="1" hangingPunct="1"/>
-            <a:r>
-              <a:rPr lang="fr-FR" sz="3200" smtClean="0"/>
-              <a:t>Users list : /api/users (GET)</a:t>
-            </a:r>
-          </a:p>
-        </p:txBody>
-      </p:sp>
-    </p:spTree>
-  </p:cSld>
-  <p:clrMapOvr>
-    <a:masterClrMapping/>
-  </p:clrMapOvr>
-</p:sld>
-</file>
-
-<file path=ppt/slides/slide28.xml><?xml version="1.0" encoding="utf-8"?>
-<p:sld xmlns:a="http://schemas.openxmlformats.org/drawingml/2006/main" xmlns:r="http://schemas.openxmlformats.org/officeDocument/2006/relationships" xmlns:p="http://schemas.openxmlformats.org/presentationml/2006/main">
-  <p:cSld>
-    <p:spTree>
-      <p:nvGrpSpPr>
-        <p:cNvPr id="1" name=""/>
-        <p:cNvGrpSpPr/>
-        <p:nvPr/>
-      </p:nvGrpSpPr>
-      <p:grpSpPr>
-        <a:xfrm>
-          <a:off x="0" y="0"/>
-          <a:ext cx="0" cy="0"/>
-          <a:chOff x="0" y="0"/>
-          <a:chExt cx="0" cy="0"/>
-        </a:xfrm>
-      </p:grpSpPr>
-      <p:pic>
-        <p:nvPicPr>
-          <p:cNvPr id="28674" name="Espace réservé du contenu 3" descr="get user.png"/>
-          <p:cNvPicPr>
-            <a:picLocks noGrp="1" noChangeAspect="1"/>
-          </p:cNvPicPr>
-          <p:nvPr>
-            <p:ph idx="1"/>
-          </p:nvPr>
-        </p:nvPicPr>
-        <p:blipFill>
-          <a:blip r:embed="rId2" cstate="print"/>
-          <a:srcRect/>
-          <a:stretch>
-            <a:fillRect/>
-          </a:stretch>
-        </p:blipFill>
-        <p:spPr>
-          <a:xfrm>
-            <a:off x="755650" y="1052513"/>
-            <a:ext cx="7597775" cy="5616575"/>
-          </a:xfrm>
-        </p:spPr>
-      </p:pic>
-      <p:sp>
-        <p:nvSpPr>
-          <p:cNvPr id="28675" name="Titre 1"/>
-          <p:cNvSpPr>
-            <a:spLocks noGrp="1"/>
-          </p:cNvSpPr>
-          <p:nvPr>
-            <p:ph type="title"/>
-          </p:nvPr>
-        </p:nvSpPr>
-        <p:spPr>
-          <a:xfrm>
-            <a:off x="457200" y="274638"/>
-            <a:ext cx="8229600" cy="633412"/>
-          </a:xfrm>
-        </p:spPr>
-        <p:txBody>
-          <a:bodyPr/>
-          <a:lstStyle/>
-          <a:p>
-            <a:pPr eaLnBrk="1" hangingPunct="1"/>
-            <a:r>
-              <a:rPr lang="fr-FR" sz="3200" smtClean="0"/>
-              <a:t>Users : /api/users/id (GET)</a:t>
-            </a:r>
-          </a:p>
-        </p:txBody>
-      </p:sp>
-    </p:spTree>
-  </p:cSld>
-  <p:clrMapOvr>
-    <a:masterClrMapping/>
-  </p:clrMapOvr>
-</p:sld>
-</file>
-
-<file path=ppt/slides/slide29.xml><?xml version="1.0" encoding="utf-8"?>
-<p:sld xmlns:a="http://schemas.openxmlformats.org/drawingml/2006/main" xmlns:r="http://schemas.openxmlformats.org/officeDocument/2006/relationships" xmlns:p="http://schemas.openxmlformats.org/presentationml/2006/main">
-  <p:cSld>
-    <p:spTree>
-      <p:nvGrpSpPr>
-        <p:cNvPr id="1" name=""/>
-        <p:cNvGrpSpPr/>
-        <p:nvPr/>
-      </p:nvGrpSpPr>
-      <p:grpSpPr>
-        <a:xfrm>
-          <a:off x="0" y="0"/>
-          <a:ext cx="0" cy="0"/>
-          <a:chOff x="0" y="0"/>
-          <a:chExt cx="0" cy="0"/>
-        </a:xfrm>
-      </p:grpSpPr>
-      <p:pic>
-        <p:nvPicPr>
-          <p:cNvPr id="29698" name="Espace réservé du contenu 3" descr="add user.png"/>
-          <p:cNvPicPr>
-            <a:picLocks noGrp="1" noChangeAspect="1"/>
-          </p:cNvPicPr>
-          <p:nvPr>
-            <p:ph idx="1"/>
-          </p:nvPr>
-        </p:nvPicPr>
-        <p:blipFill>
-          <a:blip r:embed="rId2" cstate="print"/>
-          <a:srcRect/>
-          <a:stretch>
-            <a:fillRect/>
-          </a:stretch>
-        </p:blipFill>
-        <p:spPr>
-          <a:xfrm>
-            <a:off x="419100" y="1171575"/>
-            <a:ext cx="8243888" cy="5426075"/>
-          </a:xfrm>
-        </p:spPr>
-      </p:pic>
-      <p:sp>
-        <p:nvSpPr>
-          <p:cNvPr id="29699" name="Titre 1"/>
-          <p:cNvSpPr>
-            <a:spLocks noGrp="1"/>
-          </p:cNvSpPr>
-          <p:nvPr>
-            <p:ph type="title"/>
-          </p:nvPr>
-        </p:nvSpPr>
-        <p:spPr>
-          <a:xfrm>
-            <a:off x="457200" y="274638"/>
-            <a:ext cx="8229600" cy="633412"/>
-          </a:xfrm>
-        </p:spPr>
-        <p:txBody>
-          <a:bodyPr/>
-          <a:lstStyle/>
-          <a:p>
-            <a:pPr eaLnBrk="1" hangingPunct="1"/>
-            <a:r>
-              <a:rPr lang="fr-FR" sz="3200" smtClean="0"/>
-              <a:t>Add user: /api/users (POST)</a:t>
-            </a:r>
-          </a:p>
-        </p:txBody>
-      </p:sp>
-    </p:spTree>
-  </p:cSld>
-  <p:clrMapOvr>
-    <a:masterClrMapping/>
-  </p:clrMapOvr>
 </p:sld>
 </file>
 
@@ -5637,7 +4312,7 @@
         <p:spPr>
           <a:xfrm>
             <a:off x="-36512" y="1916832"/>
-            <a:ext cx="9180512" cy="3096344"/>
+            <a:ext cx="9180512" cy="4608512"/>
           </a:xfrm>
         </p:spPr>
         <p:txBody>
@@ -5647,97 +4322,97 @@
             <a:pPr eaLnBrk="1" hangingPunct="1"/>
             <a:r>
               <a:rPr lang="fr-FR" sz="2800" b="1" dirty="0" smtClean="0"/>
-              <a:t>Un tâche doit être attachée à un </a:t>
-            </a:r>
+              <a:t>Un tâche doit être attachée à un utilisateur</a:t>
+            </a:r>
+            <a:endParaRPr lang="fr-FR" sz="2800" dirty="0" smtClean="0"/>
+          </a:p>
+          <a:p>
+            <a:pPr eaLnBrk="1" hangingPunct="1">
+              <a:buNone/>
+            </a:pPr>
+            <a:r>
+              <a:rPr lang="fr-FR" sz="1800" i="1" dirty="0" smtClean="0"/>
+              <a:t>       - Actuellement, lorsqu’une tâche est créée, celle-ci n’est pas rattachée à un utilisateur</a:t>
+            </a:r>
+          </a:p>
+          <a:p>
+            <a:pPr eaLnBrk="1" hangingPunct="1">
+              <a:buNone/>
+            </a:pPr>
+            <a:r>
+              <a:rPr lang="fr-FR" sz="1800" i="1" dirty="0" smtClean="0"/>
+              <a:t>	- Lors de la modification de la tâche, l’auteur ne peut pas être modifié</a:t>
+            </a:r>
+          </a:p>
+          <a:p>
+            <a:pPr eaLnBrk="1" hangingPunct="1"/>
             <a:r>
               <a:rPr lang="fr-FR" sz="2800" b="1" dirty="0" smtClean="0"/>
-              <a:t>utilisateur</a:t>
-            </a:r>
-            <a:endParaRPr lang="fr-FR" sz="2800" dirty="0" smtClean="0"/>
-          </a:p>
-          <a:p>
-            <a:pPr eaLnBrk="1" hangingPunct="1">
+              <a:t>Choisir un rôle pour un utilisateur lors de la création ou la modification</a:t>
+            </a:r>
+          </a:p>
+          <a:p>
+            <a:pPr>
               <a:buNone/>
             </a:pPr>
             <a:r>
               <a:rPr lang="fr-FR" sz="1800" i="1" dirty="0" smtClean="0"/>
-              <a:t> </a:t>
-            </a:r>
+              <a:t>	- rôle utilisateur (ROLE_USER)</a:t>
+            </a:r>
+          </a:p>
+          <a:p>
+            <a:pPr>
+              <a:buNone/>
+            </a:pPr>
             <a:r>
               <a:rPr lang="fr-FR" sz="1800" i="1" dirty="0" smtClean="0"/>
-              <a:t>      - </a:t>
-            </a:r>
-            <a:r>
-              <a:rPr lang="fr-FR" sz="1800" i="1" dirty="0" smtClean="0"/>
-              <a:t>Actuellement, lorsqu’une tâche est créée, celle-ci n’est pas rattachée à un </a:t>
-            </a:r>
-            <a:r>
-              <a:rPr lang="fr-FR" sz="1800" i="1" dirty="0" smtClean="0"/>
-              <a:t>utilisateur</a:t>
-            </a:r>
-          </a:p>
-          <a:p>
-            <a:pPr eaLnBrk="1" hangingPunct="1">
-              <a:buNone/>
-            </a:pPr>
-            <a:r>
-              <a:rPr lang="fr-FR" sz="1800" i="1" dirty="0" smtClean="0"/>
-              <a:t>	</a:t>
-            </a:r>
-            <a:r>
-              <a:rPr lang="fr-FR" sz="1800" i="1" dirty="0" smtClean="0"/>
-              <a:t>- </a:t>
-            </a:r>
-            <a:r>
-              <a:rPr lang="fr-FR" sz="1800" i="1" dirty="0" smtClean="0"/>
-              <a:t>Lors de la modification de la tâche, l’auteur ne peut pas être modifié</a:t>
-            </a:r>
-          </a:p>
-          <a:p>
-            <a:pPr eaLnBrk="1" hangingPunct="1"/>
-            <a:r>
-              <a:rPr lang="fr-FR" sz="2800" b="1" dirty="0" smtClean="0"/>
-              <a:t>Choisir un rôle pour un </a:t>
-            </a:r>
-            <a:r>
-              <a:rPr lang="fr-FR" sz="2800" b="1" dirty="0" smtClean="0"/>
-              <a:t>utilisateur lors de la création ou la modification</a:t>
-            </a:r>
-          </a:p>
-          <a:p>
-            <a:pPr>
-              <a:buNone/>
-            </a:pPr>
-            <a:r>
-              <a:rPr lang="fr-FR" sz="1800" i="1" dirty="0" smtClean="0"/>
-              <a:t>	- rôle </a:t>
-            </a:r>
-            <a:r>
-              <a:rPr lang="fr-FR" sz="1800" i="1" dirty="0" smtClean="0"/>
-              <a:t>utilisateur (ROLE_USER</a:t>
+              <a:t>	- rôle administrateur (ROLE_ADMIN</a:t>
             </a:r>
             <a:r>
               <a:rPr lang="fr-FR" sz="1800" i="1" dirty="0" smtClean="0"/>
               <a:t>)</a:t>
             </a:r>
-            <a:endParaRPr lang="fr-FR" sz="1800" i="1" dirty="0" smtClean="0"/>
+          </a:p>
+          <a:p>
+            <a:r>
+              <a:rPr lang="fr-FR" sz="2400" dirty="0" smtClean="0"/>
+              <a:t>Seuls les utilisateurs ayant le </a:t>
+            </a:r>
+            <a:r>
+              <a:rPr lang="fr-FR" sz="2400" dirty="0" smtClean="0"/>
+              <a:t>rôle </a:t>
+            </a:r>
+            <a:r>
+              <a:rPr lang="fr-FR" sz="2400" dirty="0" smtClean="0"/>
+              <a:t>administrateur (</a:t>
+            </a:r>
+            <a:r>
+              <a:rPr lang="fr-FR" sz="2400" i="1" dirty="0" smtClean="0"/>
+              <a:t>ROLE_ADMIN</a:t>
+            </a:r>
+            <a:r>
+              <a:rPr lang="fr-FR" sz="2400" dirty="0" smtClean="0"/>
+              <a:t>) doivent pouvoir accéder aux pages de gestion des utilisateurs.</a:t>
+            </a:r>
+          </a:p>
+          <a:p>
+            <a:r>
+              <a:rPr lang="fr-FR" sz="2400" dirty="0" smtClean="0"/>
+              <a:t> Les tâches ne peuvent être supprimées </a:t>
+            </a:r>
+            <a:r>
+              <a:rPr lang="fr-FR" sz="2400" dirty="0" smtClean="0"/>
+              <a:t>et modifiées que </a:t>
+            </a:r>
+            <a:r>
+              <a:rPr lang="fr-FR" sz="2400" dirty="0" smtClean="0"/>
+              <a:t>par les utilisateurs ayant créé les tâches en questions.</a:t>
+            </a:r>
           </a:p>
           <a:p>
             <a:pPr>
               <a:buNone/>
             </a:pPr>
-            <a:r>
-              <a:rPr lang="fr-FR" sz="1800" i="1" dirty="0" smtClean="0"/>
-              <a:t>	- rôle </a:t>
-            </a:r>
-            <a:r>
-              <a:rPr lang="fr-FR" sz="1800" i="1" dirty="0" smtClean="0"/>
-              <a:t>administrateur (ROLE_ADMIN</a:t>
-            </a:r>
-            <a:r>
-              <a:rPr lang="fr-FR" sz="1800" i="1" dirty="0" smtClean="0"/>
-              <a:t>)</a:t>
-            </a:r>
             <a:endParaRPr lang="fr-FR" sz="1800" i="1" dirty="0" smtClean="0"/>
           </a:p>
         </p:txBody>
@@ -5754,168 +4429,6 @@
       </p:par>
     </p:tnLst>
   </p:timing>
-</p:sld>
-</file>
-
-<file path=ppt/slides/slide30.xml><?xml version="1.0" encoding="utf-8"?>
-<p:sld xmlns:a="http://schemas.openxmlformats.org/drawingml/2006/main" xmlns:r="http://schemas.openxmlformats.org/officeDocument/2006/relationships" xmlns:p="http://schemas.openxmlformats.org/presentationml/2006/main">
-  <p:cSld>
-    <p:spTree>
-      <p:nvGrpSpPr>
-        <p:cNvPr id="1" name=""/>
-        <p:cNvGrpSpPr/>
-        <p:nvPr/>
-      </p:nvGrpSpPr>
-      <p:grpSpPr>
-        <a:xfrm>
-          <a:off x="0" y="0"/>
-          <a:ext cx="0" cy="0"/>
-          <a:chOff x="0" y="0"/>
-          <a:chExt cx="0" cy="0"/>
-        </a:xfrm>
-      </p:grpSpPr>
-      <p:sp>
-        <p:nvSpPr>
-          <p:cNvPr id="30722" name="Titre 1"/>
-          <p:cNvSpPr>
-            <a:spLocks noGrp="1"/>
-          </p:cNvSpPr>
-          <p:nvPr>
-            <p:ph type="title"/>
-          </p:nvPr>
-        </p:nvSpPr>
-        <p:spPr>
-          <a:xfrm>
-            <a:off x="457200" y="274638"/>
-            <a:ext cx="8229600" cy="633412"/>
-          </a:xfrm>
-        </p:spPr>
-        <p:txBody>
-          <a:bodyPr/>
-          <a:lstStyle/>
-          <a:p>
-            <a:pPr eaLnBrk="1" hangingPunct="1"/>
-            <a:r>
-              <a:rPr lang="fr-FR" sz="3200" smtClean="0"/>
-              <a:t>delete user : /api/users/id (DELETE)</a:t>
-            </a:r>
-          </a:p>
-        </p:txBody>
-      </p:sp>
-      <p:pic>
-        <p:nvPicPr>
-          <p:cNvPr id="30723" name="Image 3" descr="delete user.png"/>
-          <p:cNvPicPr>
-            <a:picLocks noChangeAspect="1"/>
-          </p:cNvPicPr>
-          <p:nvPr/>
-        </p:nvPicPr>
-        <p:blipFill>
-          <a:blip r:embed="rId2" cstate="print"/>
-          <a:srcRect/>
-          <a:stretch>
-            <a:fillRect/>
-          </a:stretch>
-        </p:blipFill>
-        <p:spPr bwMode="auto">
-          <a:xfrm>
-            <a:off x="317500" y="981075"/>
-            <a:ext cx="8575675" cy="5616575"/>
-          </a:xfrm>
-          <a:prstGeom prst="rect">
-            <a:avLst/>
-          </a:prstGeom>
-          <a:noFill/>
-          <a:ln w="9525">
-            <a:noFill/>
-            <a:miter lim="800000"/>
-            <a:headEnd/>
-            <a:tailEnd/>
-          </a:ln>
-        </p:spPr>
-      </p:pic>
-    </p:spTree>
-  </p:cSld>
-  <p:clrMapOvr>
-    <a:masterClrMapping/>
-  </p:clrMapOvr>
-</p:sld>
-</file>
-
-<file path=ppt/slides/slide31.xml><?xml version="1.0" encoding="utf-8"?>
-<p:sld xmlns:a="http://schemas.openxmlformats.org/drawingml/2006/main" xmlns:r="http://schemas.openxmlformats.org/officeDocument/2006/relationships" xmlns:p="http://schemas.openxmlformats.org/presentationml/2006/main">
-  <p:cSld>
-    <p:spTree>
-      <p:nvGrpSpPr>
-        <p:cNvPr id="1" name=""/>
-        <p:cNvGrpSpPr/>
-        <p:nvPr/>
-      </p:nvGrpSpPr>
-      <p:grpSpPr>
-        <a:xfrm>
-          <a:off x="0" y="0"/>
-          <a:ext cx="0" cy="0"/>
-          <a:chOff x="0" y="0"/>
-          <a:chExt cx="0" cy="0"/>
-        </a:xfrm>
-      </p:grpSpPr>
-      <p:pic>
-        <p:nvPicPr>
-          <p:cNvPr id="31746" name="Espace réservé du contenu 3" descr="MPD.png"/>
-          <p:cNvPicPr>
-            <a:picLocks noGrp="1" noChangeAspect="1"/>
-          </p:cNvPicPr>
-          <p:nvPr>
-            <p:ph idx="1"/>
-          </p:nvPr>
-        </p:nvPicPr>
-        <p:blipFill>
-          <a:blip r:embed="rId2" cstate="print"/>
-          <a:srcRect/>
-          <a:stretch>
-            <a:fillRect/>
-          </a:stretch>
-        </p:blipFill>
-        <p:spPr>
-          <a:xfrm>
-            <a:off x="511175" y="1052513"/>
-            <a:ext cx="8164513" cy="5689600"/>
-          </a:xfrm>
-        </p:spPr>
-      </p:pic>
-      <p:sp>
-        <p:nvSpPr>
-          <p:cNvPr id="31747" name="Titre 1"/>
-          <p:cNvSpPr>
-            <a:spLocks noGrp="1"/>
-          </p:cNvSpPr>
-          <p:nvPr>
-            <p:ph type="title"/>
-          </p:nvPr>
-        </p:nvSpPr>
-        <p:spPr>
-          <a:xfrm>
-            <a:off x="457200" y="274638"/>
-            <a:ext cx="8229600" cy="633412"/>
-          </a:xfrm>
-        </p:spPr>
-        <p:txBody>
-          <a:bodyPr/>
-          <a:lstStyle/>
-          <a:p>
-            <a:pPr eaLnBrk="1" hangingPunct="1"/>
-            <a:r>
-              <a:rPr lang="fr-FR" sz="3200" smtClean="0"/>
-              <a:t>Modèle de données</a:t>
-            </a:r>
-          </a:p>
-        </p:txBody>
-      </p:sp>
-    </p:spTree>
-  </p:cSld>
-  <p:clrMapOvr>
-    <a:masterClrMapping/>
-  </p:clrMapOvr>
 </p:sld>
 </file>
 
@@ -5951,7 +4464,33 @@
           <a:bodyPr/>
           <a:lstStyle/>
           <a:p>
-            <a:endParaRPr lang="fr-FR"/>
+            <a:r>
+              <a:rPr lang="fr-FR" dirty="0" smtClean="0"/>
+              <a:t>T</a:t>
+            </a:r>
+            <a:r>
+              <a:rPr lang="fr-FR" dirty="0" smtClean="0"/>
+              <a:t>ests unitaires et fonctionnels implémentés </a:t>
+            </a:r>
+            <a:r>
+              <a:rPr lang="fr-FR" dirty="0" smtClean="0"/>
+              <a:t>avec </a:t>
+            </a:r>
+            <a:r>
+              <a:rPr lang="fr-FR" b="1" dirty="0" err="1" smtClean="0"/>
+              <a:t>PHPUnit</a:t>
+            </a:r>
+            <a:r>
+              <a:rPr lang="fr-FR" dirty="0" smtClean="0"/>
+              <a:t>.</a:t>
+            </a:r>
+          </a:p>
+          <a:p>
+            <a:r>
+              <a:rPr lang="fr-FR" dirty="0" smtClean="0"/>
+              <a:t>Taux de couverture supérieur à 70%</a:t>
+            </a:r>
+            <a:endParaRPr lang="fr-FR" dirty="0"/>
           </a:p>
         </p:txBody>
       </p:sp>
@@ -5992,8 +4531,17 @@
               <a:rPr lang="fr-FR" sz="3600" dirty="0">
                 <a:latin typeface="+mj-lt"/>
               </a:rPr>
-              <a:t>Implémentation de nouvelles fonctionnalités</a:t>
-            </a:r>
+              <a:t>Implémentation </a:t>
+            </a:r>
+            <a:r>
+              <a:rPr lang="fr-FR" sz="3600" dirty="0" smtClean="0">
+                <a:latin typeface="+mj-lt"/>
+              </a:rPr>
+              <a:t>des tests automatisés</a:t>
+            </a:r>
+            <a:endParaRPr lang="fr-FR" sz="3600" dirty="0">
+              <a:latin typeface="+mj-lt"/>
+            </a:endParaRPr>
           </a:p>
         </p:txBody>
       </p:sp>
@@ -6032,69 +4580,88 @@
             <p:ph type="title"/>
           </p:nvPr>
         </p:nvSpPr>
+        <p:spPr>
+          <a:xfrm>
+            <a:off x="457200" y="274638"/>
+            <a:ext cx="8229600" cy="634082"/>
+          </a:xfrm>
+        </p:spPr>
+        <p:txBody>
+          <a:bodyPr/>
+          <a:lstStyle/>
+          <a:p>
+            <a:pPr eaLnBrk="1" hangingPunct="1"/>
+            <a:r>
+              <a:rPr lang="fr-FR" sz="2800" dirty="0" smtClean="0"/>
+              <a:t>Documentation</a:t>
+            </a:r>
+            <a:r>
+              <a:rPr lang="fr-FR" sz="2800" dirty="0" smtClean="0"/>
+              <a:t> sur la sécurité et audit de qualité</a:t>
+            </a:r>
+            <a:endParaRPr lang="fr-FR" sz="2800" dirty="0" smtClean="0"/>
+          </a:p>
+        </p:txBody>
+      </p:sp>
+      <p:sp>
+        <p:nvSpPr>
+          <p:cNvPr id="5123" name="Espace réservé du contenu 2"/>
+          <p:cNvSpPr>
+            <a:spLocks noGrp="1"/>
+          </p:cNvSpPr>
+          <p:nvPr>
+            <p:ph idx="1"/>
+          </p:nvPr>
+        </p:nvSpPr>
         <p:spPr/>
         <p:txBody>
           <a:bodyPr/>
           <a:lstStyle/>
           <a:p>
-            <a:pPr eaLnBrk="1" hangingPunct="1"/>
-            <a:r>
-              <a:rPr lang="fr-FR" smtClean="0"/>
-              <a:t>Présentation des données</a:t>
-            </a:r>
-          </a:p>
-        </p:txBody>
-      </p:sp>
-      <p:sp>
-        <p:nvSpPr>
-          <p:cNvPr id="5123" name="Espace réservé du contenu 2"/>
-          <p:cNvSpPr>
-            <a:spLocks noGrp="1"/>
-          </p:cNvSpPr>
-          <p:nvPr>
-            <p:ph idx="1"/>
-          </p:nvPr>
-        </p:nvSpPr>
-        <p:spPr/>
-        <p:txBody>
-          <a:bodyPr/>
-          <a:lstStyle/>
-          <a:p>
-            <a:pPr eaLnBrk="1" hangingPunct="1"/>
-            <a:r>
-              <a:rPr lang="fr-FR" smtClean="0"/>
-              <a:t>Exposer les données en suivant les règles des niveaux 1, 2 et 3 du modèle de Richardson. </a:t>
-            </a:r>
-          </a:p>
-          <a:p>
-            <a:pPr eaLnBrk="1" hangingPunct="1"/>
-            <a:r>
-              <a:rPr lang="fr-FR" smtClean="0"/>
-              <a:t>Données au format JSON HAL </a:t>
-            </a:r>
-            <a:r>
-              <a:rPr lang="fr-FR" sz="1400" smtClean="0"/>
-              <a:t>(</a:t>
-            </a:r>
-            <a:r>
-              <a:rPr lang="en-US" sz="1400" b="1" smtClean="0"/>
-              <a:t>HATEOAS</a:t>
-            </a:r>
-            <a:r>
-              <a:rPr lang="en-US" sz="1400" smtClean="0"/>
-              <a:t>, abréviation d'Hypermedia As The Engine of Application State)</a:t>
-            </a:r>
-            <a:r>
-              <a:rPr lang="fr-FR" smtClean="0"/>
-              <a:t>. </a:t>
-            </a:r>
-          </a:p>
-          <a:p>
-            <a:pPr eaLnBrk="1" hangingPunct="1"/>
-            <a:r>
-              <a:rPr lang="fr-FR" smtClean="0"/>
-              <a:t>Réponses mises en cache afin d’optimiser les performances des requêtes en direction de l’API.</a:t>
-            </a:r>
+            <a:r>
+              <a:rPr lang="fr-FR" sz="2400" dirty="0" smtClean="0"/>
+              <a:t>comprendre quel(s) fichier(s) il faut modifier et pourquoi </a:t>
+            </a:r>
+            <a:r>
+              <a:rPr lang="fr-FR" sz="2400" dirty="0" smtClean="0"/>
+              <a:t>.</a:t>
+            </a:r>
+            <a:endParaRPr lang="fr-FR" sz="2400" dirty="0" smtClean="0"/>
+          </a:p>
+          <a:p>
+            <a:r>
+              <a:rPr lang="fr-FR" sz="2400" dirty="0" smtClean="0"/>
+              <a:t>comment s’opère </a:t>
+            </a:r>
+            <a:r>
+              <a:rPr lang="fr-FR" sz="2400" dirty="0" smtClean="0"/>
+              <a:t>l’authentification.</a:t>
+            </a:r>
+            <a:endParaRPr lang="fr-FR" sz="2400" dirty="0" smtClean="0"/>
+          </a:p>
+          <a:p>
+            <a:r>
+              <a:rPr lang="fr-FR" sz="2400" dirty="0" smtClean="0"/>
+              <a:t>où </a:t>
+            </a:r>
+            <a:r>
+              <a:rPr lang="fr-FR" sz="2400" dirty="0" smtClean="0"/>
+              <a:t>sont stockés les utilisateurs</a:t>
+            </a:r>
+            <a:r>
+              <a:rPr lang="fr-FR" sz="2400" dirty="0" smtClean="0"/>
+              <a:t>.</a:t>
+            </a:r>
+          </a:p>
+          <a:p>
+            <a:endParaRPr lang="fr-FR" sz="2400" dirty="0" smtClean="0"/>
+          </a:p>
+          <a:p>
+            <a:r>
+              <a:rPr lang="fr-FR" sz="2400" dirty="0" smtClean="0"/>
+              <a:t>Audit de code et mesure des performances avec BlackFire.</a:t>
+            </a:r>
+            <a:endParaRPr lang="fr-FR" sz="2400" dirty="0"/>
           </a:p>
         </p:txBody>
       </p:sp>
@@ -6125,7 +4692,7 @@
       </p:grpSpPr>
       <p:sp>
         <p:nvSpPr>
-          <p:cNvPr id="6146" name="Titre 1"/>
+          <p:cNvPr id="21506" name="Titre 1"/>
           <p:cNvSpPr>
             <a:spLocks noGrp="1"/>
           </p:cNvSpPr>
@@ -6135,70 +4702,26 @@
         </p:nvSpPr>
         <p:spPr>
           <a:xfrm>
-            <a:off x="457200" y="2501900"/>
-            <a:ext cx="8229600" cy="1143000"/>
+            <a:off x="457200" y="274638"/>
+            <a:ext cx="8229600" cy="6178550"/>
           </a:xfrm>
         </p:spPr>
         <p:txBody>
           <a:bodyPr/>
           <a:lstStyle/>
           <a:p>
-            <a:pPr eaLnBrk="1" hangingPunct="1"/>
-            <a:r>
-              <a:rPr lang="fr-FR" smtClean="0"/>
-              <a:t>Documentation API Platform</a:t>
-            </a:r>
-            <a:br>
-              <a:rPr lang="fr-FR" smtClean="0"/>
-            </a:br>
-            <a:endParaRPr lang="fr-FR" smtClean="0"/>
-          </a:p>
-        </p:txBody>
-      </p:sp>
-      <p:pic>
-        <p:nvPicPr>
-          <p:cNvPr id="6147" name="Image 4" descr="api_platform.PNG"/>
-          <p:cNvPicPr>
-            <a:picLocks noChangeAspect="1"/>
-          </p:cNvPicPr>
-          <p:nvPr/>
-        </p:nvPicPr>
-        <p:blipFill>
-          <a:blip r:embed="rId2" cstate="print"/>
-          <a:srcRect/>
-          <a:stretch>
-            <a:fillRect/>
-          </a:stretch>
-        </p:blipFill>
-        <p:spPr bwMode="auto">
-          <a:xfrm>
-            <a:off x="3317875" y="3368675"/>
-            <a:ext cx="2508250" cy="565150"/>
-          </a:xfrm>
-          <a:prstGeom prst="rect">
-            <a:avLst/>
-          </a:prstGeom>
-          <a:noFill/>
-          <a:ln w="9525">
-            <a:noFill/>
-            <a:miter lim="800000"/>
-            <a:headEnd/>
-            <a:tailEnd/>
-          </a:ln>
-        </p:spPr>
-      </p:pic>
+            <a:r>
+              <a:rPr lang="fr-FR" smtClean="0"/>
+              <a:t>UML diagrammes de séquence</a:t>
+            </a:r>
+          </a:p>
+        </p:txBody>
+      </p:sp>
     </p:spTree>
   </p:cSld>
   <p:clrMapOvr>
     <a:masterClrMapping/>
   </p:clrMapOvr>
-  <p:timing>
-    <p:tnLst>
-      <p:par>
-        <p:cTn id="1" dur="indefinite" restart="never" nodeType="tmRoot"/>
-      </p:par>
-    </p:tnLst>
-  </p:timing>
 </p:sld>
 </file>
 
@@ -6221,68 +4744,33 @@
       </p:grpSpPr>
       <p:pic>
         <p:nvPicPr>
-          <p:cNvPr id="7170" name="Espace réservé du contenu 3" descr="ap.png"/>
+          <p:cNvPr id="3" name="Image 2" descr="authentification.png"/>
           <p:cNvPicPr>
-            <a:picLocks noGrp="1" noChangeAspect="1"/>
+            <a:picLocks noChangeAspect="1"/>
           </p:cNvPicPr>
-          <p:nvPr>
-            <p:ph idx="1"/>
-          </p:nvPr>
+          <p:nvPr/>
         </p:nvPicPr>
         <p:blipFill>
           <a:blip r:embed="rId2" cstate="print"/>
-          <a:srcRect/>
           <a:stretch>
             <a:fillRect/>
           </a:stretch>
         </p:blipFill>
         <p:spPr>
           <a:xfrm>
-            <a:off x="141288" y="1196975"/>
-            <a:ext cx="8823325" cy="4321175"/>
+            <a:off x="35496" y="476672"/>
+            <a:ext cx="9100908" cy="5904656"/>
           </a:xfrm>
+          <a:prstGeom prst="rect">
+            <a:avLst/>
+          </a:prstGeom>
         </p:spPr>
       </p:pic>
-      <p:sp>
-        <p:nvSpPr>
-          <p:cNvPr id="7171" name="Titre 1"/>
-          <p:cNvSpPr>
-            <a:spLocks noGrp="1"/>
-          </p:cNvSpPr>
-          <p:nvPr>
-            <p:ph type="title"/>
-          </p:nvPr>
-        </p:nvSpPr>
-        <p:spPr>
-          <a:xfrm>
-            <a:off x="457200" y="115888"/>
-            <a:ext cx="8229600" cy="725487"/>
-          </a:xfrm>
-        </p:spPr>
-        <p:txBody>
-          <a:bodyPr/>
-          <a:lstStyle/>
-          <a:p>
-            <a:pPr eaLnBrk="1" hangingPunct="1"/>
-            <a:r>
-              <a:rPr lang="fr-FR" sz="3600" smtClean="0"/>
-              <a:t>Page principale d’API Platform</a:t>
-            </a:r>
-          </a:p>
-        </p:txBody>
-      </p:sp>
     </p:spTree>
   </p:cSld>
   <p:clrMapOvr>
     <a:masterClrMapping/>
   </p:clrMapOvr>
-  <p:timing>
-    <p:tnLst>
-      <p:par>
-        <p:cTn id="1" dur="indefinite" restart="never" nodeType="tmRoot"/>
-      </p:par>
-    </p:tnLst>
-  </p:timing>
 </p:sld>
 </file>
 
@@ -6305,58 +4793,26 @@
       </p:grpSpPr>
       <p:pic>
         <p:nvPicPr>
-          <p:cNvPr id="8194" name="Espace réservé du contenu 3" descr="docphoneid.PNG"/>
+          <p:cNvPr id="5" name="Image 4" descr="create_task.png"/>
           <p:cNvPicPr>
-            <a:picLocks noGrp="1" noChangeAspect="1"/>
+            <a:picLocks noChangeAspect="1"/>
           </p:cNvPicPr>
-          <p:nvPr>
-            <p:ph idx="1"/>
-          </p:nvPr>
+          <p:nvPr/>
         </p:nvPicPr>
         <p:blipFill>
           <a:blip r:embed="rId2" cstate="print"/>
-          <a:srcRect/>
           <a:stretch>
             <a:fillRect/>
           </a:stretch>
         </p:blipFill>
         <p:spPr>
           <a:xfrm>
-            <a:off x="179388" y="115888"/>
-            <a:ext cx="8715375" cy="2187575"/>
-          </a:xfrm>
-        </p:spPr>
-      </p:pic>
-      <p:pic>
-        <p:nvPicPr>
-          <p:cNvPr id="8195" name="Image 4" descr="docpost.PNG"/>
-          <p:cNvPicPr>
-            <a:picLocks noChangeAspect="1"/>
-          </p:cNvPicPr>
-          <p:nvPr/>
-        </p:nvPicPr>
-        <p:blipFill>
-          <a:blip r:embed="rId3" cstate="print"/>
-          <a:srcRect/>
-          <a:stretch>
-            <a:fillRect/>
-          </a:stretch>
-        </p:blipFill>
-        <p:spPr bwMode="auto">
-          <a:xfrm>
-            <a:off x="107950" y="2794000"/>
-            <a:ext cx="9001125" cy="3730625"/>
+            <a:off x="107504" y="692696"/>
+            <a:ext cx="8973087" cy="5904656"/>
           </a:xfrm>
           <a:prstGeom prst="rect">
             <a:avLst/>
           </a:prstGeom>
-          <a:noFill/>
-          <a:ln w="9525">
-            <a:noFill/>
-            <a:miter lim="800000"/>
-            <a:headEnd/>
-            <a:tailEnd/>
-          </a:ln>
         </p:spPr>
       </p:pic>
     </p:spTree>
@@ -6384,37 +4840,9 @@
           <a:chExt cx="0" cy="0"/>
         </a:xfrm>
       </p:grpSpPr>
-      <p:sp>
-        <p:nvSpPr>
-          <p:cNvPr id="9218" name="Titre 1"/>
-          <p:cNvSpPr>
-            <a:spLocks noGrp="1"/>
-          </p:cNvSpPr>
-          <p:nvPr>
-            <p:ph type="title"/>
-          </p:nvPr>
-        </p:nvSpPr>
-        <p:spPr>
-          <a:xfrm>
-            <a:off x="457200" y="-100013"/>
-            <a:ext cx="8229600" cy="725488"/>
-          </a:xfrm>
-        </p:spPr>
-        <p:txBody>
-          <a:bodyPr/>
-          <a:lstStyle/>
-          <a:p>
-            <a:pPr eaLnBrk="1" hangingPunct="1"/>
-            <a:r>
-              <a:rPr lang="fr-FR" sz="1800" smtClean="0"/>
-              <a:t>Authentification : Requête POST  nom du client et password  ,JWT Token en réponse</a:t>
-            </a:r>
-          </a:p>
-        </p:txBody>
-      </p:sp>
       <p:pic>
         <p:nvPicPr>
-          <p:cNvPr id="9219" name="Image 4" descr="login postman.PNG"/>
+          <p:cNvPr id="5" name="Image 4" descr="create_user.png"/>
           <p:cNvPicPr>
             <a:picLocks noChangeAspect="1"/>
           </p:cNvPicPr>
@@ -6422,114 +4850,25 @@
         </p:nvPicPr>
         <p:blipFill>
           <a:blip r:embed="rId2" cstate="print"/>
-          <a:srcRect/>
           <a:stretch>
             <a:fillRect/>
           </a:stretch>
         </p:blipFill>
-        <p:spPr bwMode="auto">
+        <p:spPr>
           <a:xfrm>
-            <a:off x="250825" y="549275"/>
-            <a:ext cx="5578475" cy="3024188"/>
+            <a:off x="125665" y="692696"/>
+            <a:ext cx="8910831" cy="5616624"/>
           </a:xfrm>
           <a:prstGeom prst="rect">
             <a:avLst/>
           </a:prstGeom>
-          <a:noFill/>
-          <a:ln w="9525">
-            <a:noFill/>
-            <a:miter lim="800000"/>
-            <a:headEnd/>
-            <a:tailEnd/>
-          </a:ln>
         </p:spPr>
       </p:pic>
-      <p:pic>
-        <p:nvPicPr>
-          <p:cNvPr id="9220" name="Image 6" descr="authpostman.PNG"/>
-          <p:cNvPicPr>
-            <a:picLocks noChangeAspect="1"/>
-          </p:cNvPicPr>
-          <p:nvPr/>
-        </p:nvPicPr>
-        <p:blipFill>
-          <a:blip r:embed="rId3" cstate="print"/>
-          <a:srcRect/>
-          <a:stretch>
-            <a:fillRect/>
-          </a:stretch>
-        </p:blipFill>
-        <p:spPr bwMode="auto">
-          <a:xfrm>
-            <a:off x="827088" y="3703638"/>
-            <a:ext cx="7902575" cy="2695575"/>
-          </a:xfrm>
-          <a:prstGeom prst="rect">
-            <a:avLst/>
-          </a:prstGeom>
-          <a:noFill/>
-          <a:ln w="9525">
-            <a:noFill/>
-            <a:miter lim="800000"/>
-            <a:headEnd/>
-            <a:tailEnd/>
-          </a:ln>
-        </p:spPr>
-      </p:pic>
-      <p:sp>
-        <p:nvSpPr>
-          <p:cNvPr id="9" name="Titre 1"/>
-          <p:cNvSpPr txBox="1">
-            <a:spLocks/>
-          </p:cNvSpPr>
-          <p:nvPr/>
-        </p:nvSpPr>
-        <p:spPr bwMode="auto">
-          <a:xfrm>
-            <a:off x="6084888" y="1989138"/>
-            <a:ext cx="2590800" cy="725487"/>
-          </a:xfrm>
-          <a:prstGeom prst="rect">
-            <a:avLst/>
-          </a:prstGeom>
-          <a:noFill/>
-          <a:ln w="9525">
-            <a:noFill/>
-            <a:miter lim="800000"/>
-            <a:headEnd/>
-            <a:tailEnd/>
-          </a:ln>
-        </p:spPr>
-        <p:txBody>
-          <a:bodyPr anchor="ctr"/>
-          <a:lstStyle/>
-          <a:p>
-            <a:pPr algn="ctr">
-              <a:defRPr/>
-            </a:pPr>
-            <a:r>
-              <a:rPr lang="fr-FR" sz="2800" dirty="0">
-                <a:latin typeface="+mj-lt"/>
-                <a:ea typeface="+mj-ea"/>
-                <a:cs typeface="+mj-cs"/>
-              </a:rPr>
-              <a:t>Postman</a:t>
-            </a:r>
-          </a:p>
-        </p:txBody>
-      </p:sp>
     </p:spTree>
   </p:cSld>
   <p:clrMapOvr>
     <a:masterClrMapping/>
   </p:clrMapOvr>
-  <p:timing>
-    <p:tnLst>
-      <p:par>
-        <p:cTn id="1" dur="indefinite" restart="never" nodeType="tmRoot"/>
-      </p:par>
-    </p:tnLst>
-  </p:timing>
 </p:sld>
 </file>
 

--- a/docs/ppt/ToDo&Co.pptx
+++ b/docs/ppt/ToDo&Co.pptx
@@ -343,7 +343,7 @@
               <a:pPr>
                 <a:defRPr/>
               </a:pPr>
-              <a:t>24/01/2019</a:t>
+              <a:t>29/01/2019</a:t>
             </a:fld>
             <a:endParaRPr lang="fr-FR"/>
           </a:p>
@@ -535,7 +535,7 @@
               <a:pPr>
                 <a:defRPr/>
               </a:pPr>
-              <a:t>24/01/2019</a:t>
+              <a:t>29/01/2019</a:t>
             </a:fld>
             <a:endParaRPr lang="fr-FR"/>
           </a:p>
@@ -737,7 +737,7 @@
               <a:pPr>
                 <a:defRPr/>
               </a:pPr>
-              <a:t>24/01/2019</a:t>
+              <a:t>29/01/2019</a:t>
             </a:fld>
             <a:endParaRPr lang="fr-FR"/>
           </a:p>
@@ -929,7 +929,7 @@
               <a:pPr>
                 <a:defRPr/>
               </a:pPr>
-              <a:t>24/01/2019</a:t>
+              <a:t>29/01/2019</a:t>
             </a:fld>
             <a:endParaRPr lang="fr-FR"/>
           </a:p>
@@ -1197,7 +1197,7 @@
               <a:pPr>
                 <a:defRPr/>
               </a:pPr>
-              <a:t>24/01/2019</a:t>
+              <a:t>29/01/2019</a:t>
             </a:fld>
             <a:endParaRPr lang="fr-FR"/>
           </a:p>
@@ -1507,7 +1507,7 @@
               <a:pPr>
                 <a:defRPr/>
               </a:pPr>
-              <a:t>24/01/2019</a:t>
+              <a:t>29/01/2019</a:t>
             </a:fld>
             <a:endParaRPr lang="fr-FR"/>
           </a:p>
@@ -1951,7 +1951,7 @@
               <a:pPr>
                 <a:defRPr/>
               </a:pPr>
-              <a:t>24/01/2019</a:t>
+              <a:t>29/01/2019</a:t>
             </a:fld>
             <a:endParaRPr lang="fr-FR"/>
           </a:p>
@@ -2091,7 +2091,7 @@
               <a:pPr>
                 <a:defRPr/>
               </a:pPr>
-              <a:t>24/01/2019</a:t>
+              <a:t>29/01/2019</a:t>
             </a:fld>
             <a:endParaRPr lang="fr-FR"/>
           </a:p>
@@ -2208,7 +2208,7 @@
               <a:pPr>
                 <a:defRPr/>
               </a:pPr>
-              <a:t>24/01/2019</a:t>
+              <a:t>29/01/2019</a:t>
             </a:fld>
             <a:endParaRPr lang="fr-FR"/>
           </a:p>
@@ -2507,7 +2507,7 @@
               <a:pPr>
                 <a:defRPr/>
               </a:pPr>
-              <a:t>24/01/2019</a:t>
+              <a:t>29/01/2019</a:t>
             </a:fld>
             <a:endParaRPr lang="fr-FR"/>
           </a:p>
@@ -2785,7 +2785,7 @@
               <a:pPr>
                 <a:defRPr/>
               </a:pPr>
-              <a:t>24/01/2019</a:t>
+              <a:t>29/01/2019</a:t>
             </a:fld>
             <a:endParaRPr lang="fr-FR"/>
           </a:p>
@@ -3044,7 +3044,7 @@
               <a:pPr>
                 <a:defRPr/>
               </a:pPr>
-              <a:t>24/01/2019</a:t>
+              <a:t>29/01/2019</a:t>
             </a:fld>
             <a:endParaRPr lang="fr-FR"/>
           </a:p>
@@ -4078,15 +4078,7 @@
             </a:r>
             <a:r>
               <a:rPr lang="fr-FR" sz="2000" dirty="0" smtClean="0"/>
-              <a:t> </a:t>
-            </a:r>
-            <a:r>
-              <a:rPr lang="fr-FR" sz="2000" dirty="0" smtClean="0"/>
-              <a:t>une </a:t>
-            </a:r>
-            <a:r>
-              <a:rPr lang="fr-FR" sz="2000" dirty="0" smtClean="0"/>
-              <a:t>startup dont le </a:t>
+              <a:t> une startup dont le </a:t>
             </a:r>
             <a:r>
               <a:rPr lang="fr-FR" sz="2000" dirty="0" err="1" smtClean="0"/>
@@ -4094,29 +4086,8 @@
             </a:r>
             <a:r>
               <a:rPr lang="fr-FR" sz="2000" dirty="0" smtClean="0"/>
-              <a:t> de métier est une application permettant de gérer ses tâches quotidiennes. </a:t>
-            </a:r>
-            <a:r>
-              <a:rPr lang="fr-FR" sz="2000" dirty="0" smtClean="0"/>
-              <a:t>L’entreprise </a:t>
-            </a:r>
-            <a:r>
-              <a:rPr lang="fr-FR" sz="2000" dirty="0" smtClean="0"/>
-              <a:t>vient tout juste d’être montée, et l’application a dû être développée à toute vitesse pour permettre de montrer à de potentiels investisseurs que le concept est viable (on parle de Minimum Viable Product ou MVP). Le choix du développeur précédent a été d’utiliser le framework PHP </a:t>
-            </a:r>
-            <a:r>
-              <a:rPr lang="fr-FR" sz="2000" dirty="0" smtClean="0"/>
-              <a:t>Symfony</a:t>
-            </a:r>
-            <a:r>
-              <a:rPr lang="fr-FR" sz="2000" dirty="0" smtClean="0"/>
-              <a:t> </a:t>
-            </a:r>
-            <a:r>
-              <a:rPr lang="fr-FR" sz="2000" dirty="0" smtClean="0"/>
-              <a:t>.</a:t>
-            </a:r>
-            <a:endParaRPr lang="fr-FR" sz="2000" dirty="0" smtClean="0"/>
+              <a:t> de métier est une application permettant de gérer ses tâches quotidiennes. L’entreprise vient tout juste d’être montée, et l’application a dû être développée à toute vitesse pour permettre de montrer à de potentiels investisseurs que le concept est viable (on parle de Minimum Viable Product ou MVP). Le choix du développeur précédent a été d’utiliser le framework PHP Symfony .</a:t>
+            </a:r>
           </a:p>
           <a:p>
             <a:r>
@@ -4125,117 +4096,42 @@
             </a:r>
             <a:r>
               <a:rPr lang="fr-FR" sz="2000" b="1" dirty="0" smtClean="0"/>
-              <a:t> </a:t>
-            </a:r>
-            <a:r>
-              <a:rPr lang="fr-FR" sz="2000" b="1" dirty="0" smtClean="0"/>
-              <a:t>&amp; Co</a:t>
+              <a:t> &amp; Co</a:t>
             </a:r>
             <a:r>
               <a:rPr lang="fr-FR" sz="2000" dirty="0" smtClean="0"/>
-              <a:t> a </a:t>
-            </a:r>
+              <a:t> a réussi une lever de fonds pour permettre le développement de l’entreprise et de l’application.</a:t>
+            </a:r>
+          </a:p>
+          <a:p>
             <a:r>
               <a:rPr lang="fr-FR" sz="2000" dirty="0" smtClean="0"/>
-              <a:t>réussi une </a:t>
-            </a:r>
+              <a:t>Mon rôle ici est donc d’améliorer la qualité de l’application.</a:t>
+            </a:r>
+          </a:p>
+          <a:p>
             <a:r>
               <a:rPr lang="fr-FR" sz="2000" dirty="0" smtClean="0"/>
-              <a:t>lever </a:t>
-            </a:r>
+              <a:t>L’implémentation de nouvelles fonctionnalités ;</a:t>
+            </a:r>
+          </a:p>
+          <a:p>
             <a:r>
               <a:rPr lang="fr-FR" sz="2000" dirty="0" smtClean="0"/>
-              <a:t>de fonds </a:t>
-            </a:r>
+              <a:t>La correction de quelques anomalies ;</a:t>
+            </a:r>
+          </a:p>
+          <a:p>
             <a:r>
               <a:rPr lang="fr-FR" sz="2000" dirty="0" smtClean="0"/>
-              <a:t>pour permettre le développement de l’entreprise </a:t>
-            </a:r>
+              <a:t>L’implémentation de tests automatisés.</a:t>
+            </a:r>
+          </a:p>
+          <a:p>
             <a:r>
               <a:rPr lang="fr-FR" sz="2000" dirty="0" smtClean="0"/>
-              <a:t>et </a:t>
-            </a:r>
-            <a:r>
-              <a:rPr lang="fr-FR" sz="2000" dirty="0" smtClean="0"/>
-              <a:t>de l’application</a:t>
-            </a:r>
-            <a:r>
-              <a:rPr lang="fr-FR" sz="2000" dirty="0" smtClean="0"/>
-              <a:t>.</a:t>
-            </a:r>
-            <a:endParaRPr lang="fr-FR" sz="2000" dirty="0" smtClean="0"/>
-          </a:p>
-          <a:p>
-            <a:r>
-              <a:rPr lang="fr-FR" sz="2000" dirty="0" smtClean="0"/>
-              <a:t>Mon </a:t>
-            </a:r>
-            <a:r>
-              <a:rPr lang="fr-FR" sz="2000" dirty="0" smtClean="0"/>
-              <a:t>rôle ici est donc d’améliorer la qualité de l’application</a:t>
-            </a:r>
-            <a:r>
-              <a:rPr lang="fr-FR" sz="2000" dirty="0" smtClean="0"/>
-              <a:t>.</a:t>
-            </a:r>
-            <a:endParaRPr lang="fr-FR" sz="2000" dirty="0" smtClean="0"/>
-          </a:p>
-          <a:p>
-            <a:r>
-              <a:rPr lang="fr-FR" sz="2000" dirty="0" smtClean="0"/>
-              <a:t>L</a:t>
-            </a:r>
-            <a:r>
-              <a:rPr lang="fr-FR" sz="2000" dirty="0" smtClean="0"/>
-              <a:t>’implémentation </a:t>
-            </a:r>
-            <a:r>
-              <a:rPr lang="fr-FR" sz="2000" dirty="0" smtClean="0"/>
-              <a:t>de nouvelles fonctionnalités ;</a:t>
-            </a:r>
-          </a:p>
-          <a:p>
-            <a:r>
-              <a:rPr lang="fr-FR" sz="2000" dirty="0" smtClean="0"/>
-              <a:t>La </a:t>
-            </a:r>
-            <a:r>
-              <a:rPr lang="fr-FR" sz="2000" dirty="0" smtClean="0"/>
-              <a:t>correction de quelques anomalies ;</a:t>
-            </a:r>
-          </a:p>
-          <a:p>
-            <a:r>
-              <a:rPr lang="fr-FR" sz="2000" dirty="0" smtClean="0"/>
-              <a:t>L</a:t>
-            </a:r>
-            <a:r>
-              <a:rPr lang="fr-FR" sz="2000" dirty="0" smtClean="0"/>
-              <a:t>’implémentation </a:t>
-            </a:r>
-            <a:r>
-              <a:rPr lang="fr-FR" sz="2000" dirty="0" smtClean="0"/>
-              <a:t>de tests automatisés.</a:t>
-            </a:r>
-          </a:p>
-          <a:p>
-            <a:r>
-              <a:rPr lang="fr-FR" sz="2000" dirty="0" smtClean="0"/>
-              <a:t>D</a:t>
-            </a:r>
-            <a:r>
-              <a:rPr lang="fr-FR" sz="2000" dirty="0" smtClean="0"/>
-              <a:t>’analyser </a:t>
-            </a:r>
-            <a:r>
-              <a:rPr lang="fr-FR" sz="2000" dirty="0" smtClean="0"/>
-              <a:t>le projet grâce à des outils </a:t>
-            </a:r>
-            <a:r>
-              <a:rPr lang="fr-FR" sz="2000" dirty="0" smtClean="0"/>
-              <a:t>permettant de mesurer la qualité de code et les performances de l’application.</a:t>
-            </a:r>
-            <a:endParaRPr lang="fr-FR" sz="2000" dirty="0" smtClean="0"/>
+              <a:t>D’analyser le projet grâce à des outils permettant de mesurer la qualité de code et les performances de l’application.</a:t>
+            </a:r>
           </a:p>
         </p:txBody>
       </p:sp>
@@ -4366,25 +4262,13 @@
             </a:pPr>
             <a:r>
               <a:rPr lang="fr-FR" sz="1800" i="1" dirty="0" smtClean="0"/>
-              <a:t>	- rôle administrateur (ROLE_ADMIN</a:t>
-            </a:r>
-            <a:r>
-              <a:rPr lang="fr-FR" sz="1800" i="1" dirty="0" smtClean="0"/>
-              <a:t>)</a:t>
+              <a:t>	- rôle administrateur (ROLE_ADMIN)</a:t>
             </a:r>
           </a:p>
           <a:p>
             <a:r>
               <a:rPr lang="fr-FR" sz="2400" dirty="0" smtClean="0"/>
-              <a:t>Seuls les utilisateurs ayant le </a:t>
-            </a:r>
-            <a:r>
-              <a:rPr lang="fr-FR" sz="2400" dirty="0" smtClean="0"/>
-              <a:t>rôle </a:t>
-            </a:r>
-            <a:r>
-              <a:rPr lang="fr-FR" sz="2400" dirty="0" smtClean="0"/>
-              <a:t>administrateur (</a:t>
+              <a:t>Seuls les utilisateurs ayant le rôle administrateur (</a:t>
             </a:r>
             <a:r>
               <a:rPr lang="fr-FR" sz="2400" i="1" dirty="0" smtClean="0"/>
@@ -4398,15 +4282,7 @@
           <a:p>
             <a:r>
               <a:rPr lang="fr-FR" sz="2400" dirty="0" smtClean="0"/>
-              <a:t> Les tâches ne peuvent être supprimées </a:t>
-            </a:r>
-            <a:r>
-              <a:rPr lang="fr-FR" sz="2400" dirty="0" smtClean="0"/>
-              <a:t>et modifiées que </a:t>
-            </a:r>
-            <a:r>
-              <a:rPr lang="fr-FR" sz="2400" dirty="0" smtClean="0"/>
-              <a:t>par les utilisateurs ayant créé les tâches en questions.</a:t>
+              <a:t> Les tâches ne peuvent être supprimées et modifiées que par les utilisateurs ayant créé les tâches en questions.</a:t>
             </a:r>
           </a:p>
           <a:p>
@@ -4466,15 +4342,7 @@
           <a:p>
             <a:r>
               <a:rPr lang="fr-FR" dirty="0" smtClean="0"/>
-              <a:t>T</a:t>
-            </a:r>
-            <a:r>
-              <a:rPr lang="fr-FR" dirty="0" smtClean="0"/>
-              <a:t>ests unitaires et fonctionnels implémentés </a:t>
-            </a:r>
-            <a:r>
-              <a:rPr lang="fr-FR" dirty="0" smtClean="0"/>
-              <a:t>avec </a:t>
+              <a:t>Tests unitaires et fonctionnels implémentés avec </a:t>
             </a:r>
             <a:r>
               <a:rPr lang="fr-FR" b="1" dirty="0" err="1" smtClean="0"/>
@@ -4482,8 +4350,17 @@
             </a:r>
             <a:r>
               <a:rPr lang="fr-FR" dirty="0" smtClean="0"/>
+              <a:t> et </a:t>
+            </a:r>
+            <a:r>
+              <a:rPr lang="fr-FR" b="1" dirty="0" smtClean="0"/>
+              <a:t>Selenium</a:t>
+            </a:r>
+            <a:r>
+              <a:rPr lang="fr-FR" dirty="0" smtClean="0"/>
               <a:t>.</a:t>
             </a:r>
+            <a:endParaRPr lang="fr-FR" dirty="0" smtClean="0"/>
           </a:p>
           <a:p>
             <a:r>
@@ -4593,13 +4470,8 @@
             <a:pPr eaLnBrk="1" hangingPunct="1"/>
             <a:r>
               <a:rPr lang="fr-FR" sz="2800" dirty="0" smtClean="0"/>
-              <a:t>Documentation</a:t>
-            </a:r>
-            <a:r>
-              <a:rPr lang="fr-FR" sz="2800" dirty="0" smtClean="0"/>
-              <a:t> sur la sécurité et audit de qualité</a:t>
-            </a:r>
-            <a:endParaRPr lang="fr-FR" sz="2800" dirty="0" smtClean="0"/>
+              <a:t>Documentation sur la sécurité et audit de qualité</a:t>
+            </a:r>
           </a:p>
         </p:txBody>
       </p:sp>
@@ -4620,33 +4492,39 @@
           <a:p>
             <a:r>
               <a:rPr lang="fr-FR" sz="2400" dirty="0" smtClean="0"/>
-              <a:t>comprendre quel(s) fichier(s) il faut modifier et pourquoi </a:t>
+              <a:t>comprendre quel(s) fichier(s) il faut modifier et pourquoi .</a:t>
+            </a:r>
+          </a:p>
+          <a:p>
+            <a:r>
+              <a:rPr lang="fr-FR" sz="2400" dirty="0" smtClean="0"/>
+              <a:t>comment s’opère l’authentification.</a:t>
+            </a:r>
+          </a:p>
+          <a:p>
+            <a:r>
+              <a:rPr lang="fr-FR" sz="2400" dirty="0" smtClean="0"/>
+              <a:t>où sont stockés les utilisateurs</a:t>
             </a:r>
             <a:r>
               <a:rPr lang="fr-FR" sz="2400" dirty="0" smtClean="0"/>
               <a:t>.</a:t>
             </a:r>
+          </a:p>
+          <a:p>
+            <a:r>
+              <a:rPr lang="fr-FR" sz="2400" dirty="0" smtClean="0"/>
+              <a:t>Document PDF fournis</a:t>
+            </a:r>
             <a:endParaRPr lang="fr-FR" sz="2400" dirty="0" smtClean="0"/>
           </a:p>
           <a:p>
+            <a:endParaRPr lang="fr-FR" sz="2400" dirty="0" smtClean="0"/>
+          </a:p>
+          <a:p>
             <a:r>
               <a:rPr lang="fr-FR" sz="2400" dirty="0" smtClean="0"/>
-              <a:t>comment s’opère </a:t>
-            </a:r>
-            <a:r>
-              <a:rPr lang="fr-FR" sz="2400" dirty="0" smtClean="0"/>
-              <a:t>l’authentification.</a:t>
-            </a:r>
-            <a:endParaRPr lang="fr-FR" sz="2400" dirty="0" smtClean="0"/>
-          </a:p>
-          <a:p>
-            <a:r>
-              <a:rPr lang="fr-FR" sz="2400" dirty="0" smtClean="0"/>
-              <a:t>où </a:t>
-            </a:r>
-            <a:r>
-              <a:rPr lang="fr-FR" sz="2400" dirty="0" smtClean="0"/>
-              <a:t>sont stockés les utilisateurs</a:t>
+              <a:t>Audit de code et mesure des performances avec BlackFire</a:t>
             </a:r>
             <a:r>
               <a:rPr lang="fr-FR" sz="2400" dirty="0" smtClean="0"/>
@@ -4654,12 +4532,58 @@
             </a:r>
           </a:p>
           <a:p>
+            <a:r>
+              <a:rPr lang="fr-FR" sz="2400" dirty="0" smtClean="0"/>
+              <a:t>Analyse </a:t>
+            </a:r>
+            <a:r>
+              <a:rPr lang="fr-FR" sz="2400" dirty="0" smtClean="0"/>
+              <a:t>de code avec Code </a:t>
+            </a:r>
+            <a:r>
+              <a:rPr lang="fr-FR" sz="2400" dirty="0" err="1" smtClean="0"/>
+              <a:t>Climate</a:t>
+            </a:r>
+            <a:r>
+              <a:rPr lang="fr-FR" sz="2400" dirty="0" smtClean="0"/>
+              <a:t>, </a:t>
+            </a:r>
+            <a:r>
+              <a:rPr lang="fr-FR" sz="2400" dirty="0" err="1" smtClean="0"/>
+              <a:t>Codacy</a:t>
+            </a:r>
+            <a:r>
+              <a:rPr lang="fr-FR" sz="2400" dirty="0" smtClean="0"/>
+              <a:t>, PHP </a:t>
+            </a:r>
+            <a:r>
+              <a:rPr lang="fr-FR" sz="2400" dirty="0" err="1" smtClean="0"/>
+              <a:t>Metrics</a:t>
+            </a:r>
+            <a:r>
+              <a:rPr lang="fr-FR" sz="2400" dirty="0" smtClean="0"/>
+              <a:t>.</a:t>
+            </a:r>
+          </a:p>
+          <a:p>
+            <a:r>
+              <a:rPr lang="fr-FR" sz="2400" smtClean="0"/>
+              <a:t>Document PDF fournis</a:t>
+            </a:r>
+          </a:p>
+          <a:p>
+            <a:pPr>
+              <a:buNone/>
+            </a:pPr>
             <a:endParaRPr lang="fr-FR" sz="2400" dirty="0" smtClean="0"/>
           </a:p>
           <a:p>
+            <a:pPr>
+              <a:buNone/>
+            </a:pPr>
             <a:r>
               <a:rPr lang="fr-FR" sz="2400" dirty="0" smtClean="0"/>
-              <a:t>Audit de code et mesure des performances avec BlackFire.</a:t>
+              <a:t>	</a:t>
             </a:r>
             <a:endParaRPr lang="fr-FR" sz="2400" dirty="0"/>
           </a:p>

--- a/docs/ppt/ToDo&Co.pptx
+++ b/docs/ppt/ToDo&Co.pptx
@@ -343,7 +343,7 @@
               <a:pPr>
                 <a:defRPr/>
               </a:pPr>
-              <a:t>29/01/2019</a:t>
+              <a:t>03/02/2019</a:t>
             </a:fld>
             <a:endParaRPr lang="fr-FR"/>
           </a:p>
@@ -535,7 +535,7 @@
               <a:pPr>
                 <a:defRPr/>
               </a:pPr>
-              <a:t>29/01/2019</a:t>
+              <a:t>03/02/2019</a:t>
             </a:fld>
             <a:endParaRPr lang="fr-FR"/>
           </a:p>
@@ -737,7 +737,7 @@
               <a:pPr>
                 <a:defRPr/>
               </a:pPr>
-              <a:t>29/01/2019</a:t>
+              <a:t>03/02/2019</a:t>
             </a:fld>
             <a:endParaRPr lang="fr-FR"/>
           </a:p>
@@ -929,7 +929,7 @@
               <a:pPr>
                 <a:defRPr/>
               </a:pPr>
-              <a:t>29/01/2019</a:t>
+              <a:t>03/02/2019</a:t>
             </a:fld>
             <a:endParaRPr lang="fr-FR"/>
           </a:p>
@@ -1197,7 +1197,7 @@
               <a:pPr>
                 <a:defRPr/>
               </a:pPr>
-              <a:t>29/01/2019</a:t>
+              <a:t>03/02/2019</a:t>
             </a:fld>
             <a:endParaRPr lang="fr-FR"/>
           </a:p>
@@ -1507,7 +1507,7 @@
               <a:pPr>
                 <a:defRPr/>
               </a:pPr>
-              <a:t>29/01/2019</a:t>
+              <a:t>03/02/2019</a:t>
             </a:fld>
             <a:endParaRPr lang="fr-FR"/>
           </a:p>
@@ -1951,7 +1951,7 @@
               <a:pPr>
                 <a:defRPr/>
               </a:pPr>
-              <a:t>29/01/2019</a:t>
+              <a:t>03/02/2019</a:t>
             </a:fld>
             <a:endParaRPr lang="fr-FR"/>
           </a:p>
@@ -2091,7 +2091,7 @@
               <a:pPr>
                 <a:defRPr/>
               </a:pPr>
-              <a:t>29/01/2019</a:t>
+              <a:t>03/02/2019</a:t>
             </a:fld>
             <a:endParaRPr lang="fr-FR"/>
           </a:p>
@@ -2208,7 +2208,7 @@
               <a:pPr>
                 <a:defRPr/>
               </a:pPr>
-              <a:t>29/01/2019</a:t>
+              <a:t>03/02/2019</a:t>
             </a:fld>
             <a:endParaRPr lang="fr-FR"/>
           </a:p>
@@ -2507,7 +2507,7 @@
               <a:pPr>
                 <a:defRPr/>
               </a:pPr>
-              <a:t>29/01/2019</a:t>
+              <a:t>03/02/2019</a:t>
             </a:fld>
             <a:endParaRPr lang="fr-FR"/>
           </a:p>
@@ -2785,7 +2785,7 @@
               <a:pPr>
                 <a:defRPr/>
               </a:pPr>
-              <a:t>29/01/2019</a:t>
+              <a:t>03/02/2019</a:t>
             </a:fld>
             <a:endParaRPr lang="fr-FR"/>
           </a:p>
@@ -3044,7 +3044,7 @@
               <a:pPr>
                 <a:defRPr/>
               </a:pPr>
-              <a:t>29/01/2019</a:t>
+              <a:t>03/02/2019</a:t>
             </a:fld>
             <a:endParaRPr lang="fr-FR"/>
           </a:p>
@@ -3679,7 +3679,7 @@
       </p:grpSpPr>
       <p:pic>
         <p:nvPicPr>
-          <p:cNvPr id="5" name="Image 4" descr="delete_task.png"/>
+          <p:cNvPr id="3" name="Image 2" descr="delete_task.png"/>
           <p:cNvPicPr>
             <a:picLocks noChangeAspect="1"/>
           </p:cNvPicPr>
@@ -3693,8 +3693,8 @@
         </p:blipFill>
         <p:spPr>
           <a:xfrm>
-            <a:off x="146516" y="548680"/>
-            <a:ext cx="8874862" cy="6086088"/>
+            <a:off x="107504" y="268634"/>
+            <a:ext cx="9001000" cy="6172590"/>
           </a:xfrm>
           <a:prstGeom prst="rect">
             <a:avLst/>
@@ -3924,7 +3924,7 @@
       </p:grpSpPr>
       <p:pic>
         <p:nvPicPr>
-          <p:cNvPr id="5" name="Image 4" descr="update_task.png"/>
+          <p:cNvPr id="3" name="Image 2" descr="update_task.png"/>
           <p:cNvPicPr>
             <a:picLocks noChangeAspect="1"/>
           </p:cNvPicPr>
@@ -3938,8 +3938,8 @@
         </p:blipFill>
         <p:spPr>
           <a:xfrm>
-            <a:off x="72008" y="538564"/>
-            <a:ext cx="8964488" cy="5898998"/>
+            <a:off x="107504" y="491180"/>
+            <a:ext cx="9001000" cy="5923024"/>
           </a:xfrm>
           <a:prstGeom prst="rect">
             <a:avLst/>
@@ -4360,7 +4360,6 @@
               <a:rPr lang="fr-FR" dirty="0" smtClean="0"/>
               <a:t>.</a:t>
             </a:r>
-            <a:endParaRPr lang="fr-FR" dirty="0" smtClean="0"/>
           </a:p>
           <a:p>
             <a:r>
@@ -4504,11 +4503,7 @@
           <a:p>
             <a:r>
               <a:rPr lang="fr-FR" sz="2400" dirty="0" smtClean="0"/>
-              <a:t>où sont stockés les utilisateurs</a:t>
-            </a:r>
-            <a:r>
-              <a:rPr lang="fr-FR" sz="2400" dirty="0" smtClean="0"/>
-              <a:t>.</a:t>
+              <a:t>où sont stockés les utilisateurs.</a:t>
             </a:r>
           </a:p>
           <a:p>
@@ -4516,29 +4511,20 @@
               <a:rPr lang="fr-FR" sz="2400" dirty="0" smtClean="0"/>
               <a:t>Document PDF fournis</a:t>
             </a:r>
+          </a:p>
+          <a:p>
             <a:endParaRPr lang="fr-FR" sz="2400" dirty="0" smtClean="0"/>
           </a:p>
           <a:p>
-            <a:endParaRPr lang="fr-FR" sz="2400" dirty="0" smtClean="0"/>
-          </a:p>
-          <a:p>
             <a:r>
               <a:rPr lang="fr-FR" sz="2400" dirty="0" smtClean="0"/>
-              <a:t>Audit de code et mesure des performances avec BlackFire</a:t>
-            </a:r>
+              <a:t>Audit de code et mesure des performances avec BlackFire.</a:t>
+            </a:r>
+          </a:p>
+          <a:p>
             <a:r>
               <a:rPr lang="fr-FR" sz="2400" dirty="0" smtClean="0"/>
-              <a:t>.</a:t>
-            </a:r>
-          </a:p>
-          <a:p>
-            <a:r>
-              <a:rPr lang="fr-FR" sz="2400" dirty="0" smtClean="0"/>
-              <a:t>Analyse </a:t>
-            </a:r>
-            <a:r>
-              <a:rPr lang="fr-FR" sz="2400" dirty="0" smtClean="0"/>
-              <a:t>de code avec Code </a:t>
+              <a:t>Analyse de code avec Code </a:t>
             </a:r>
             <a:r>
               <a:rPr lang="fr-FR" sz="2400" dirty="0" err="1" smtClean="0"/>
